--- a/Project 1/Part 2/CS554_EuroTeam_Problem_Frames2 [Recovered] - Copie.pptx
+++ b/Project 1/Part 2/CS554_EuroTeam_Problem_Frames2 [Recovered] - Copie.pptx
@@ -1801,10 +1801,10 @@
         <a:lstStyle/>
         <a:p>
           <a:r>
-            <a:rPr lang="fr-FR" dirty="0" smtClean="0"/>
+            <a:rPr lang="fr-FR" b="1" dirty="0" smtClean="0"/>
             <a:t>UML design</a:t>
           </a:r>
-          <a:endParaRPr lang="fr-FR" dirty="0"/>
+          <a:endParaRPr lang="fr-FR" b="1" dirty="0"/>
         </a:p>
       </dgm:t>
     </dgm:pt>
@@ -1838,14 +1838,14 @@
         <a:lstStyle/>
         <a:p>
           <a:r>
-            <a:rPr lang="fr-FR" dirty="0" err="1" smtClean="0"/>
+            <a:rPr lang="fr-FR" b="1" dirty="0" err="1" smtClean="0"/>
             <a:t>Problem</a:t>
           </a:r>
           <a:r>
-            <a:rPr lang="fr-FR" dirty="0" smtClean="0"/>
+            <a:rPr lang="fr-FR" b="1" dirty="0" smtClean="0"/>
             <a:t> frames</a:t>
           </a:r>
-          <a:endParaRPr lang="fr-FR" dirty="0"/>
+          <a:endParaRPr lang="fr-FR" b="1" dirty="0"/>
         </a:p>
       </dgm:t>
     </dgm:pt>
@@ -1872,7 +1872,7 @@
       </dgm:t>
     </dgm:pt>
     <dgm:pt modelId="{605D1FB5-210C-400A-84F5-CC35A8B043CD}">
-      <dgm:prSet/>
+      <dgm:prSet custT="1"/>
       <dgm:spPr/>
       <dgm:t>
         <a:bodyPr/>
@@ -1880,30 +1880,30 @@
         <a:p>
           <a:pPr algn="l"/>
           <a:r>
-            <a:rPr lang="fr-FR" dirty="0" smtClean="0"/>
+            <a:rPr lang="fr-FR" sz="1600" dirty="0" smtClean="0"/>
             <a:t>Solutions to </a:t>
           </a:r>
           <a:r>
-            <a:rPr lang="fr-FR" dirty="0" err="1" smtClean="0"/>
+            <a:rPr lang="fr-FR" sz="1600" dirty="0" err="1" smtClean="0"/>
             <a:t>bring</a:t>
           </a:r>
           <a:r>
-            <a:rPr lang="fr-FR" dirty="0" smtClean="0"/>
+            <a:rPr lang="fr-FR" sz="1600" dirty="0" smtClean="0"/>
             <a:t> to </a:t>
           </a:r>
           <a:r>
-            <a:rPr lang="fr-FR" dirty="0" err="1" smtClean="0"/>
+            <a:rPr lang="fr-FR" sz="1600" dirty="0" err="1" smtClean="0"/>
             <a:t>system’s</a:t>
           </a:r>
           <a:r>
-            <a:rPr lang="fr-FR" dirty="0" smtClean="0"/>
+            <a:rPr lang="fr-FR" sz="1600" dirty="0" smtClean="0"/>
             <a:t> </a:t>
           </a:r>
           <a:r>
-            <a:rPr lang="fr-FR" dirty="0" err="1" smtClean="0"/>
+            <a:rPr lang="fr-FR" sz="1600" dirty="0" err="1" smtClean="0"/>
             <a:t>requirements</a:t>
           </a:r>
-          <a:endParaRPr lang="fr-FR" dirty="0"/>
+          <a:endParaRPr lang="fr-FR" sz="1600" dirty="0"/>
         </a:p>
       </dgm:t>
     </dgm:pt>
@@ -1930,7 +1930,7 @@
       </dgm:t>
     </dgm:pt>
     <dgm:pt modelId="{F354600A-FA0F-41C5-BB41-5F47F1DD004C}">
-      <dgm:prSet/>
+      <dgm:prSet custT="1"/>
       <dgm:spPr/>
       <dgm:t>
         <a:bodyPr/>
@@ -1938,58 +1938,58 @@
         <a:p>
           <a:pPr algn="l"/>
           <a:r>
-            <a:rPr lang="fr-FR" dirty="0" err="1" smtClean="0"/>
+            <a:rPr lang="fr-FR" sz="1600" dirty="0" err="1" smtClean="0"/>
             <a:t>Understand</a:t>
           </a:r>
           <a:r>
-            <a:rPr lang="fr-FR" dirty="0" smtClean="0"/>
+            <a:rPr lang="fr-FR" sz="1600" dirty="0" smtClean="0"/>
             <a:t> the </a:t>
           </a:r>
           <a:r>
-            <a:rPr lang="fr-FR" dirty="0" err="1" smtClean="0"/>
+            <a:rPr lang="fr-FR" sz="1600" dirty="0" err="1" smtClean="0"/>
             <a:t>underlying</a:t>
           </a:r>
           <a:r>
-            <a:rPr lang="fr-FR" dirty="0" smtClean="0"/>
+            <a:rPr lang="fr-FR" sz="1600" dirty="0" smtClean="0"/>
             <a:t> </a:t>
           </a:r>
           <a:r>
-            <a:rPr lang="fr-FR" dirty="0" err="1" smtClean="0"/>
+            <a:rPr lang="fr-FR" sz="1600" dirty="0" err="1" smtClean="0"/>
             <a:t>problems</a:t>
           </a:r>
           <a:r>
-            <a:rPr lang="fr-FR" dirty="0" smtClean="0"/>
+            <a:rPr lang="fr-FR" sz="1600" dirty="0" smtClean="0"/>
             <a:t> </a:t>
           </a:r>
           <a:r>
-            <a:rPr lang="fr-FR" dirty="0" err="1" smtClean="0"/>
+            <a:rPr lang="fr-FR" sz="1600" dirty="0" err="1" smtClean="0"/>
             <a:t>before</a:t>
           </a:r>
           <a:r>
-            <a:rPr lang="fr-FR" dirty="0" smtClean="0"/>
+            <a:rPr lang="fr-FR" sz="1600" dirty="0" smtClean="0"/>
             <a:t> </a:t>
           </a:r>
           <a:r>
-            <a:rPr lang="fr-FR" dirty="0" err="1" smtClean="0"/>
+            <a:rPr lang="fr-FR" sz="1600" dirty="0" err="1" smtClean="0"/>
             <a:t>considering</a:t>
           </a:r>
           <a:r>
-            <a:rPr lang="fr-FR" dirty="0" smtClean="0"/>
+            <a:rPr lang="fr-FR" sz="1600" dirty="0" smtClean="0"/>
             <a:t> </a:t>
           </a:r>
           <a:r>
-            <a:rPr lang="fr-FR" dirty="0" err="1" smtClean="0"/>
+            <a:rPr lang="fr-FR" sz="1600" dirty="0" err="1" smtClean="0"/>
             <a:t>any</a:t>
           </a:r>
           <a:r>
-            <a:rPr lang="fr-FR" dirty="0" smtClean="0"/>
+            <a:rPr lang="fr-FR" sz="1600" dirty="0" smtClean="0"/>
             <a:t> </a:t>
           </a:r>
           <a:r>
-            <a:rPr lang="fr-FR" dirty="0" err="1" smtClean="0"/>
+            <a:rPr lang="fr-FR" sz="1600" dirty="0" err="1" smtClean="0"/>
             <a:t>specification</a:t>
           </a:r>
-          <a:endParaRPr lang="fr-FR" dirty="0"/>
+          <a:endParaRPr lang="fr-FR" sz="1600" dirty="0"/>
         </a:p>
       </dgm:t>
     </dgm:pt>
@@ -2151,17 +2151,17 @@
     </dgm:pt>
   </dgm:ptLst>
   <dgm:cxnLst>
+    <dgm:cxn modelId="{1CBF82AB-BF7B-4B92-BDC3-30FB2E34505E}" type="presOf" srcId="{605D1FB5-210C-400A-84F5-CC35A8B043CD}" destId="{516ADAB7-51A2-475F-9B07-19C15A498B8B}" srcOrd="0" destOrd="0" presId="urn:microsoft.com/office/officeart/2005/8/layout/hList9"/>
+    <dgm:cxn modelId="{27A5C3A7-FFEC-43DB-B588-ACAA917EC5C8}" srcId="{8D73F130-D4FE-4A3F-997E-91783F8E3C5A}" destId="{605D1FB5-210C-400A-84F5-CC35A8B043CD}" srcOrd="0" destOrd="0" parTransId="{1B1BDADB-A07A-4BF8-B109-8C6A50FCA85D}" sibTransId="{2E12EE24-BA26-4312-8130-60E8FCEDC966}"/>
+    <dgm:cxn modelId="{3458A928-9BA9-494A-BE54-33DE67BAA60E}" type="presOf" srcId="{F354600A-FA0F-41C5-BB41-5F47F1DD004C}" destId="{059821B1-0007-4BD2-8DF8-B0CE19FE433D}" srcOrd="0" destOrd="0" presId="urn:microsoft.com/office/officeart/2005/8/layout/hList9"/>
+    <dgm:cxn modelId="{5F7A4614-3D5C-49AC-8F54-AE7718054F93}" type="presOf" srcId="{F354600A-FA0F-41C5-BB41-5F47F1DD004C}" destId="{6F2621B6-EE9B-4C67-B676-9DA2A381AB51}" srcOrd="1" destOrd="0" presId="urn:microsoft.com/office/officeart/2005/8/layout/hList9"/>
+    <dgm:cxn modelId="{F2589879-376E-4214-97C2-32ED1D0B3340}" type="presOf" srcId="{F81607D8-20A8-4A19-9734-B55244566E51}" destId="{2E8A679C-8039-49E0-892C-C2D30B2F3D40}" srcOrd="0" destOrd="0" presId="urn:microsoft.com/office/officeart/2005/8/layout/hList9"/>
+    <dgm:cxn modelId="{C2AE079F-E677-46EA-B271-267DF46DF7DD}" srcId="{A4CD16CE-6FF8-4F5B-AA56-6CB89BBB69F9}" destId="{F81607D8-20A8-4A19-9734-B55244566E51}" srcOrd="1" destOrd="0" parTransId="{7ADCA484-D0D0-4850-AB77-532033927D0F}" sibTransId="{00B5D94F-4CF5-4537-BCFB-3CF754B77F10}"/>
+    <dgm:cxn modelId="{18EE1485-D2E5-4AA7-AF35-BC0B2D5505EC}" type="presOf" srcId="{605D1FB5-210C-400A-84F5-CC35A8B043CD}" destId="{BBE1B8DB-BA6E-42AB-84CC-21D3D717CF28}" srcOrd="1" destOrd="0" presId="urn:microsoft.com/office/officeart/2005/8/layout/hList9"/>
+    <dgm:cxn modelId="{52F81A1A-1771-4EB0-A5A2-6101A8D1E157}" srcId="{A4CD16CE-6FF8-4F5B-AA56-6CB89BBB69F9}" destId="{8D73F130-D4FE-4A3F-997E-91783F8E3C5A}" srcOrd="0" destOrd="0" parTransId="{8D55B929-D748-4020-9E50-F71AE1BF2180}" sibTransId="{63764104-D552-4B83-B394-ADE3D817BFA6}"/>
+    <dgm:cxn modelId="{10A24AD0-7A54-4679-9AA7-62D80A440BA7}" srcId="{F81607D8-20A8-4A19-9734-B55244566E51}" destId="{F354600A-FA0F-41C5-BB41-5F47F1DD004C}" srcOrd="0" destOrd="0" parTransId="{5CC45C8D-1D11-4FE9-85C2-2E10B61F566B}" sibTransId="{B16D21DD-C17C-47F9-9D34-274541494D98}"/>
+    <dgm:cxn modelId="{BB2F6249-B04A-475E-8420-C32498D56A1C}" type="presOf" srcId="{8D73F130-D4FE-4A3F-997E-91783F8E3C5A}" destId="{A5D57D14-3203-4073-944D-7AAE4755C0D5}" srcOrd="0" destOrd="0" presId="urn:microsoft.com/office/officeart/2005/8/layout/hList9"/>
     <dgm:cxn modelId="{E18BF595-3687-45BC-A5D6-94634170F3C4}" type="presOf" srcId="{A4CD16CE-6FF8-4F5B-AA56-6CB89BBB69F9}" destId="{5374C97F-BB9F-435F-A1D9-E5249B9981AF}" srcOrd="0" destOrd="0" presId="urn:microsoft.com/office/officeart/2005/8/layout/hList9"/>
-    <dgm:cxn modelId="{52F81A1A-1771-4EB0-A5A2-6101A8D1E157}" srcId="{A4CD16CE-6FF8-4F5B-AA56-6CB89BBB69F9}" destId="{8D73F130-D4FE-4A3F-997E-91783F8E3C5A}" srcOrd="0" destOrd="0" parTransId="{8D55B929-D748-4020-9E50-F71AE1BF2180}" sibTransId="{63764104-D552-4B83-B394-ADE3D817BFA6}"/>
-    <dgm:cxn modelId="{C2AE079F-E677-46EA-B271-267DF46DF7DD}" srcId="{A4CD16CE-6FF8-4F5B-AA56-6CB89BBB69F9}" destId="{F81607D8-20A8-4A19-9734-B55244566E51}" srcOrd="1" destOrd="0" parTransId="{7ADCA484-D0D0-4850-AB77-532033927D0F}" sibTransId="{00B5D94F-4CF5-4537-BCFB-3CF754B77F10}"/>
-    <dgm:cxn modelId="{10A24AD0-7A54-4679-9AA7-62D80A440BA7}" srcId="{F81607D8-20A8-4A19-9734-B55244566E51}" destId="{F354600A-FA0F-41C5-BB41-5F47F1DD004C}" srcOrd="0" destOrd="0" parTransId="{5CC45C8D-1D11-4FE9-85C2-2E10B61F566B}" sibTransId="{B16D21DD-C17C-47F9-9D34-274541494D98}"/>
-    <dgm:cxn modelId="{1CBF82AB-BF7B-4B92-BDC3-30FB2E34505E}" type="presOf" srcId="{605D1FB5-210C-400A-84F5-CC35A8B043CD}" destId="{516ADAB7-51A2-475F-9B07-19C15A498B8B}" srcOrd="0" destOrd="0" presId="urn:microsoft.com/office/officeart/2005/8/layout/hList9"/>
-    <dgm:cxn modelId="{3458A928-9BA9-494A-BE54-33DE67BAA60E}" type="presOf" srcId="{F354600A-FA0F-41C5-BB41-5F47F1DD004C}" destId="{059821B1-0007-4BD2-8DF8-B0CE19FE433D}" srcOrd="0" destOrd="0" presId="urn:microsoft.com/office/officeart/2005/8/layout/hList9"/>
-    <dgm:cxn modelId="{BB2F6249-B04A-475E-8420-C32498D56A1C}" type="presOf" srcId="{8D73F130-D4FE-4A3F-997E-91783F8E3C5A}" destId="{A5D57D14-3203-4073-944D-7AAE4755C0D5}" srcOrd="0" destOrd="0" presId="urn:microsoft.com/office/officeart/2005/8/layout/hList9"/>
-    <dgm:cxn modelId="{18EE1485-D2E5-4AA7-AF35-BC0B2D5505EC}" type="presOf" srcId="{605D1FB5-210C-400A-84F5-CC35A8B043CD}" destId="{BBE1B8DB-BA6E-42AB-84CC-21D3D717CF28}" srcOrd="1" destOrd="0" presId="urn:microsoft.com/office/officeart/2005/8/layout/hList9"/>
-    <dgm:cxn modelId="{5F7A4614-3D5C-49AC-8F54-AE7718054F93}" type="presOf" srcId="{F354600A-FA0F-41C5-BB41-5F47F1DD004C}" destId="{6F2621B6-EE9B-4C67-B676-9DA2A381AB51}" srcOrd="1" destOrd="0" presId="urn:microsoft.com/office/officeart/2005/8/layout/hList9"/>
-    <dgm:cxn modelId="{27A5C3A7-FFEC-43DB-B588-ACAA917EC5C8}" srcId="{8D73F130-D4FE-4A3F-997E-91783F8E3C5A}" destId="{605D1FB5-210C-400A-84F5-CC35A8B043CD}" srcOrd="0" destOrd="0" parTransId="{1B1BDADB-A07A-4BF8-B109-8C6A50FCA85D}" sibTransId="{2E12EE24-BA26-4312-8130-60E8FCEDC966}"/>
-    <dgm:cxn modelId="{F2589879-376E-4214-97C2-32ED1D0B3340}" type="presOf" srcId="{F81607D8-20A8-4A19-9734-B55244566E51}" destId="{2E8A679C-8039-49E0-892C-C2D30B2F3D40}" srcOrd="0" destOrd="0" presId="urn:microsoft.com/office/officeart/2005/8/layout/hList9"/>
     <dgm:cxn modelId="{7BDB378F-C8B4-44E9-AC0E-C305C211855D}" type="presParOf" srcId="{5374C97F-BB9F-435F-A1D9-E5249B9981AF}" destId="{4306F6C7-F29A-44DE-BDEE-37BD6E8601F2}" srcOrd="0" destOrd="0" presId="urn:microsoft.com/office/officeart/2005/8/layout/hList9"/>
     <dgm:cxn modelId="{AA9706AF-FEAC-4884-8CFF-1451CC709BBB}" type="presParOf" srcId="{5374C97F-BB9F-435F-A1D9-E5249B9981AF}" destId="{DF24BEE9-57AA-491D-83C3-892959C63237}" srcOrd="1" destOrd="0" presId="urn:microsoft.com/office/officeart/2005/8/layout/hList9"/>
     <dgm:cxn modelId="{D005810B-D4D1-4BBA-9B80-788F62AC3DDB}" type="presParOf" srcId="{DF24BEE9-57AA-491D-83C3-892959C63237}" destId="{8D80059E-51C1-4499-89EA-CFB623FEEC83}" srcOrd="0" destOrd="0" presId="urn:microsoft.com/office/officeart/2005/8/layout/hList9"/>
@@ -2184,7 +2184,7 @@
   <dgm:whole/>
   <dgm:extLst>
     <a:ext uri="http://schemas.microsoft.com/office/drawing/2008/diagram">
-      <dsp:dataModelExt xmlns:dsp="http://schemas.microsoft.com/office/drawing/2008/diagram" relId="rId6" minVer="http://schemas.openxmlformats.org/drawingml/2006/diagram"/>
+      <dsp:dataModelExt xmlns:dsp="http://schemas.microsoft.com/office/drawing/2008/diagram" xmlns="" relId="rId6" minVer="http://schemas.openxmlformats.org/drawingml/2006/diagram"/>
     </a:ext>
   </dgm:extLst>
 </dgm:dataModel>
@@ -2569,15 +2569,15 @@
     </dgm:pt>
   </dgm:ptLst>
   <dgm:cxnLst>
+    <dgm:cxn modelId="{1243EC71-5E7D-4C79-8704-ECBB153E68A6}" type="presOf" srcId="{5D0FFDA3-D15D-4CA2-8EFE-9EC8899DE1F5}" destId="{8241D08B-CB62-4962-9D9B-1D2183EA71DA}" srcOrd="0" destOrd="0" presId="urn:microsoft.com/office/officeart/2005/8/layout/hList3"/>
+    <dgm:cxn modelId="{D0830010-8404-4079-8A87-B903D6175051}" type="presOf" srcId="{ACBE8AEB-35DB-410A-ADBF-310666E7673F}" destId="{22A99387-A6D2-43E3-AF24-6FADF6F83837}" srcOrd="0" destOrd="0" presId="urn:microsoft.com/office/officeart/2005/8/layout/hList3"/>
+    <dgm:cxn modelId="{9470F95E-218E-46C8-AA4B-C00989CBD572}" srcId="{ACBE8AEB-35DB-410A-ADBF-310666E7673F}" destId="{5D0FFDA3-D15D-4CA2-8EFE-9EC8899DE1F5}" srcOrd="0" destOrd="0" parTransId="{A3C5E0B0-61D6-4B14-923B-AE59DC3B303B}" sibTransId="{3B6787F9-15E3-4A84-8556-E58B129391CE}"/>
     <dgm:cxn modelId="{1C367138-309B-4DC0-A5E4-ED5BF5BE92A3}" srcId="{ACBE8AEB-35DB-410A-ADBF-310666E7673F}" destId="{4365DE52-E75B-46CF-A8D4-AF910C52CA6B}" srcOrd="2" destOrd="0" parTransId="{1C7DE86A-33AB-4B0E-A01C-A0274405A7E0}" sibTransId="{1F7876FF-1296-47A3-9D0A-43540679CDE7}"/>
-    <dgm:cxn modelId="{5782D883-7ABF-495F-9F16-D8ACB573A0EE}" srcId="{9D494135-09CA-43EB-BFD9-20DB75AA542C}" destId="{ACBE8AEB-35DB-410A-ADBF-310666E7673F}" srcOrd="0" destOrd="0" parTransId="{1E35ABE8-2196-4DA1-8C90-7221860D6B0D}" sibTransId="{C6F29DB6-9F8E-4A11-8A71-6E071E0ADDEC}"/>
-    <dgm:cxn modelId="{1243EC71-5E7D-4C79-8704-ECBB153E68A6}" type="presOf" srcId="{5D0FFDA3-D15D-4CA2-8EFE-9EC8899DE1F5}" destId="{8241D08B-CB62-4962-9D9B-1D2183EA71DA}" srcOrd="0" destOrd="0" presId="urn:microsoft.com/office/officeart/2005/8/layout/hList3"/>
-    <dgm:cxn modelId="{1ED252CA-507D-404C-82E8-B2351F233BEB}" type="presOf" srcId="{9D494135-09CA-43EB-BFD9-20DB75AA542C}" destId="{E6657A53-48FF-420B-98E9-7F064B529D85}" srcOrd="0" destOrd="0" presId="urn:microsoft.com/office/officeart/2005/8/layout/hList3"/>
+    <dgm:cxn modelId="{554533F8-4688-45C6-A101-B13B7DA5EE15}" srcId="{ACBE8AEB-35DB-410A-ADBF-310666E7673F}" destId="{E7D032B1-869F-46B7-AAC1-1906493EC5B4}" srcOrd="1" destOrd="0" parTransId="{172A57E4-5BDA-416B-A087-9DCD0CC43916}" sibTransId="{70BABF1A-F8CA-4CBF-BBA9-0251CC5284A6}"/>
     <dgm:cxn modelId="{3764D938-70C6-4419-906F-AB46C2F234D9}" type="presOf" srcId="{E7D032B1-869F-46B7-AAC1-1906493EC5B4}" destId="{36A69038-D135-4966-B855-369C1C83C96F}" srcOrd="0" destOrd="0" presId="urn:microsoft.com/office/officeart/2005/8/layout/hList3"/>
     <dgm:cxn modelId="{1DBCA53E-5181-4A8C-8FC4-CAC47AF9E584}" type="presOf" srcId="{4365DE52-E75B-46CF-A8D4-AF910C52CA6B}" destId="{C9068F78-E09E-4543-A698-C5622D67FE22}" srcOrd="0" destOrd="0" presId="urn:microsoft.com/office/officeart/2005/8/layout/hList3"/>
-    <dgm:cxn modelId="{554533F8-4688-45C6-A101-B13B7DA5EE15}" srcId="{ACBE8AEB-35DB-410A-ADBF-310666E7673F}" destId="{E7D032B1-869F-46B7-AAC1-1906493EC5B4}" srcOrd="1" destOrd="0" parTransId="{172A57E4-5BDA-416B-A087-9DCD0CC43916}" sibTransId="{70BABF1A-F8CA-4CBF-BBA9-0251CC5284A6}"/>
-    <dgm:cxn modelId="{D0830010-8404-4079-8A87-B903D6175051}" type="presOf" srcId="{ACBE8AEB-35DB-410A-ADBF-310666E7673F}" destId="{22A99387-A6D2-43E3-AF24-6FADF6F83837}" srcOrd="0" destOrd="0" presId="urn:microsoft.com/office/officeart/2005/8/layout/hList3"/>
-    <dgm:cxn modelId="{9470F95E-218E-46C8-AA4B-C00989CBD572}" srcId="{ACBE8AEB-35DB-410A-ADBF-310666E7673F}" destId="{5D0FFDA3-D15D-4CA2-8EFE-9EC8899DE1F5}" srcOrd="0" destOrd="0" parTransId="{A3C5E0B0-61D6-4B14-923B-AE59DC3B303B}" sibTransId="{3B6787F9-15E3-4A84-8556-E58B129391CE}"/>
+    <dgm:cxn modelId="{1ED252CA-507D-404C-82E8-B2351F233BEB}" type="presOf" srcId="{9D494135-09CA-43EB-BFD9-20DB75AA542C}" destId="{E6657A53-48FF-420B-98E9-7F064B529D85}" srcOrd="0" destOrd="0" presId="urn:microsoft.com/office/officeart/2005/8/layout/hList3"/>
+    <dgm:cxn modelId="{5782D883-7ABF-495F-9F16-D8ACB573A0EE}" srcId="{9D494135-09CA-43EB-BFD9-20DB75AA542C}" destId="{ACBE8AEB-35DB-410A-ADBF-310666E7673F}" srcOrd="0" destOrd="0" parTransId="{1E35ABE8-2196-4DA1-8C90-7221860D6B0D}" sibTransId="{C6F29DB6-9F8E-4A11-8A71-6E071E0ADDEC}"/>
     <dgm:cxn modelId="{EA499AF1-251E-4BB4-A9CD-2C3B2E72C5AD}" type="presParOf" srcId="{E6657A53-48FF-420B-98E9-7F064B529D85}" destId="{22A99387-A6D2-43E3-AF24-6FADF6F83837}" srcOrd="0" destOrd="0" presId="urn:microsoft.com/office/officeart/2005/8/layout/hList3"/>
     <dgm:cxn modelId="{47B6DF35-E158-4379-8EE6-8F620371B5B2}" type="presParOf" srcId="{E6657A53-48FF-420B-98E9-7F064B529D85}" destId="{7EEC38D5-F24F-4C37-9A58-F8B1A282CD14}" srcOrd="1" destOrd="0" presId="urn:microsoft.com/office/officeart/2005/8/layout/hList3"/>
     <dgm:cxn modelId="{68629683-FB1C-4502-8D24-1477364C5740}" type="presParOf" srcId="{7EEC38D5-F24F-4C37-9A58-F8B1A282CD14}" destId="{8241D08B-CB62-4962-9D9B-1D2183EA71DA}" srcOrd="0" destOrd="0" presId="urn:microsoft.com/office/officeart/2005/8/layout/hList3"/>
@@ -2589,32 +2589,1069 @@
   <dgm:whole/>
   <dgm:extLst>
     <a:ext uri="http://schemas.microsoft.com/office/drawing/2008/diagram">
-      <dsp:dataModelExt xmlns:dsp="http://schemas.microsoft.com/office/drawing/2008/diagram" relId="rId6" minVer="http://schemas.openxmlformats.org/drawingml/2006/diagram"/>
+      <dsp:dataModelExt xmlns:dsp="http://schemas.microsoft.com/office/drawing/2008/diagram" xmlns="" relId="rId6" minVer="http://schemas.openxmlformats.org/drawingml/2006/diagram"/>
     </a:ext>
   </dgm:extLst>
 </dgm:dataModel>
 </file>
 
 <file path=ppt/diagrams/drawing1.xml><?xml version="1.0" encoding="utf-8"?>
-<dsp:drawing xmlns:dgm="http://schemas.openxmlformats.org/drawingml/2006/diagram" xmlns:dsp="http://schemas.microsoft.com/office/drawing/2008/diagram" xmlns:a="http://schemas.openxmlformats.org/drawingml/2006/main">
+<dsp:drawing xmlns:dgm="http://schemas.openxmlformats.org/drawingml/2006/diagram" xmlns:a="http://schemas.openxmlformats.org/drawingml/2006/main" xmlns:dsp="http://schemas.microsoft.com/office/drawing/2008/diagram">
   <dsp:spTree>
     <dsp:nvGrpSpPr>
       <dsp:cNvPr id="0" name=""/>
       <dsp:cNvGrpSpPr/>
     </dsp:nvGrpSpPr>
     <dsp:grpSpPr/>
+    <dsp:sp modelId="{516ADAB7-51A2-475F-9B07-19C15A498B8B}">
+      <dsp:nvSpPr>
+        <dsp:cNvPr id="0" name=""/>
+        <dsp:cNvSpPr/>
+      </dsp:nvSpPr>
+      <dsp:spPr>
+        <a:xfrm>
+          <a:off x="0" y="1639780"/>
+          <a:ext cx="2505004" cy="1112301"/>
+        </a:xfrm>
+        <a:prstGeom prst="rect">
+          <a:avLst/>
+        </a:prstGeom>
+        <a:solidFill>
+          <a:schemeClr val="lt1">
+            <a:alpha val="90000"/>
+            <a:tint val="40000"/>
+            <a:hueOff val="0"/>
+            <a:satOff val="0"/>
+            <a:lumOff val="0"/>
+            <a:alphaOff val="0"/>
+          </a:schemeClr>
+        </a:solidFill>
+        <a:ln w="9525" cap="flat" cmpd="sng" algn="ctr">
+          <a:solidFill>
+            <a:schemeClr val="accent6">
+              <a:alpha val="90000"/>
+              <a:hueOff val="0"/>
+              <a:satOff val="0"/>
+              <a:lumOff val="0"/>
+              <a:alphaOff val="0"/>
+            </a:schemeClr>
+          </a:solidFill>
+          <a:prstDash val="solid"/>
+        </a:ln>
+        <a:effectLst>
+          <a:outerShdw blurRad="65500" dist="38100" dir="5400000" rotWithShape="0">
+            <a:srgbClr val="000000">
+              <a:alpha val="40000"/>
+            </a:srgbClr>
+          </a:outerShdw>
+        </a:effectLst>
+      </dsp:spPr>
+      <dsp:style>
+        <a:lnRef idx="1">
+          <a:scrgbClr r="0" g="0" b="0"/>
+        </a:lnRef>
+        <a:fillRef idx="1">
+          <a:scrgbClr r="0" g="0" b="0"/>
+        </a:fillRef>
+        <a:effectRef idx="2">
+          <a:scrgbClr r="0" g="0" b="0"/>
+        </a:effectRef>
+        <a:fontRef idx="minor"/>
+      </dsp:style>
+      <dsp:txBody>
+        <a:bodyPr spcFirstLastPara="0" vert="horz" wrap="square" lIns="0" tIns="113792" rIns="113792" bIns="113792" numCol="1" spcCol="1270" anchor="ctr" anchorCtr="0">
+          <a:noAutofit/>
+        </a:bodyPr>
+        <a:lstStyle/>
+        <a:p>
+          <a:pPr lvl="0" algn="l" defTabSz="711200">
+            <a:lnSpc>
+              <a:spcPct val="90000"/>
+            </a:lnSpc>
+            <a:spcBef>
+              <a:spcPct val="0"/>
+            </a:spcBef>
+            <a:spcAft>
+              <a:spcPct val="35000"/>
+            </a:spcAft>
+          </a:pPr>
+          <a:r>
+            <a:rPr lang="fr-FR" sz="1600" kern="1200" dirty="0" smtClean="0"/>
+            <a:t>Solutions to </a:t>
+          </a:r>
+          <a:r>
+            <a:rPr lang="fr-FR" sz="1600" kern="1200" dirty="0" err="1" smtClean="0"/>
+            <a:t>bring</a:t>
+          </a:r>
+          <a:r>
+            <a:rPr lang="fr-FR" sz="1600" kern="1200" dirty="0" smtClean="0"/>
+            <a:t> to </a:t>
+          </a:r>
+          <a:r>
+            <a:rPr lang="fr-FR" sz="1600" kern="1200" dirty="0" err="1" smtClean="0"/>
+            <a:t>system’s</a:t>
+          </a:r>
+          <a:r>
+            <a:rPr lang="fr-FR" sz="1600" kern="1200" dirty="0" smtClean="0"/>
+            <a:t> </a:t>
+          </a:r>
+          <a:r>
+            <a:rPr lang="fr-FR" sz="1600" kern="1200" dirty="0" err="1" smtClean="0"/>
+            <a:t>requirements</a:t>
+          </a:r>
+          <a:endParaRPr lang="fr-FR" sz="1600" kern="1200" dirty="0"/>
+        </a:p>
+      </dsp:txBody>
+      <dsp:txXfrm>
+        <a:off x="400800" y="1639780"/>
+        <a:ext cx="2104203" cy="1112301"/>
+      </dsp:txXfrm>
+    </dsp:sp>
+    <dsp:sp modelId="{A5D57D14-3203-4073-944D-7AAE4755C0D5}">
+      <dsp:nvSpPr>
+        <dsp:cNvPr id="0" name=""/>
+        <dsp:cNvSpPr/>
+      </dsp:nvSpPr>
+      <dsp:spPr>
+        <a:xfrm>
+          <a:off x="1903771" y="704230"/>
+          <a:ext cx="1111746" cy="1111746"/>
+        </a:xfrm>
+        <a:prstGeom prst="ellipse">
+          <a:avLst/>
+        </a:prstGeom>
+        <a:gradFill rotWithShape="0">
+          <a:gsLst>
+            <a:gs pos="0">
+              <a:schemeClr val="lt1">
+                <a:hueOff val="0"/>
+                <a:satOff val="0"/>
+                <a:lumOff val="0"/>
+                <a:alphaOff val="0"/>
+                <a:shade val="45000"/>
+                <a:satMod val="155000"/>
+              </a:schemeClr>
+            </a:gs>
+            <a:gs pos="60000">
+              <a:schemeClr val="lt1">
+                <a:hueOff val="0"/>
+                <a:satOff val="0"/>
+                <a:lumOff val="0"/>
+                <a:alphaOff val="0"/>
+                <a:shade val="95000"/>
+                <a:satMod val="150000"/>
+              </a:schemeClr>
+            </a:gs>
+            <a:gs pos="100000">
+              <a:schemeClr val="lt1">
+                <a:hueOff val="0"/>
+                <a:satOff val="0"/>
+                <a:lumOff val="0"/>
+                <a:alphaOff val="0"/>
+                <a:tint val="87000"/>
+                <a:satMod val="250000"/>
+              </a:schemeClr>
+            </a:gs>
+          </a:gsLst>
+          <a:lin ang="16200000" scaled="0"/>
+        </a:gradFill>
+        <a:ln>
+          <a:noFill/>
+        </a:ln>
+        <a:effectLst>
+          <a:outerShdw blurRad="65500" dist="38100" dir="5400000" rotWithShape="0">
+            <a:srgbClr val="000000">
+              <a:alpha val="40000"/>
+            </a:srgbClr>
+          </a:outerShdw>
+        </a:effectLst>
+        <a:scene3d>
+          <a:camera prst="orthographicFront" fov="0">
+            <a:rot lat="0" lon="0" rev="0"/>
+          </a:camera>
+          <a:lightRig rig="contrasting" dir="t">
+            <a:rot lat="0" lon="0" rev="12000000"/>
+          </a:lightRig>
+        </a:scene3d>
+        <a:sp3d prstMaterial="powder">
+          <a:bevelT h="50800"/>
+        </a:sp3d>
+      </dsp:spPr>
+      <dsp:style>
+        <a:lnRef idx="0">
+          <a:scrgbClr r="0" g="0" b="0"/>
+        </a:lnRef>
+        <a:fillRef idx="3">
+          <a:scrgbClr r="0" g="0" b="0"/>
+        </a:fillRef>
+        <a:effectRef idx="3">
+          <a:scrgbClr r="0" g="0" b="0"/>
+        </a:effectRef>
+        <a:fontRef idx="minor">
+          <a:schemeClr val="lt1"/>
+        </a:fontRef>
+      </dsp:style>
+      <dsp:txBody>
+        <a:bodyPr spcFirstLastPara="0" vert="horz" wrap="square" lIns="0" tIns="0" rIns="0" bIns="0" numCol="1" spcCol="1270" anchor="ctr" anchorCtr="0">
+          <a:noAutofit/>
+        </a:bodyPr>
+        <a:lstStyle/>
+        <a:p>
+          <a:pPr lvl="0" algn="ctr" defTabSz="755650">
+            <a:lnSpc>
+              <a:spcPct val="90000"/>
+            </a:lnSpc>
+            <a:spcBef>
+              <a:spcPct val="0"/>
+            </a:spcBef>
+            <a:spcAft>
+              <a:spcPct val="35000"/>
+            </a:spcAft>
+          </a:pPr>
+          <a:r>
+            <a:rPr lang="fr-FR" sz="1700" b="1" kern="1200" dirty="0" smtClean="0"/>
+            <a:t>UML design</a:t>
+          </a:r>
+          <a:endParaRPr lang="fr-FR" sz="1700" b="1" kern="1200" dirty="0"/>
+        </a:p>
+      </dsp:txBody>
+      <dsp:txXfrm>
+        <a:off x="1903771" y="704230"/>
+        <a:ext cx="1111746" cy="1111746"/>
+      </dsp:txXfrm>
+    </dsp:sp>
+    <dsp:sp modelId="{059821B1-0007-4BD2-8DF8-B0CE19FE433D}">
+      <dsp:nvSpPr>
+        <dsp:cNvPr id="0" name=""/>
+        <dsp:cNvSpPr/>
+      </dsp:nvSpPr>
+      <dsp:spPr>
+        <a:xfrm>
+          <a:off x="3984104" y="1639780"/>
+          <a:ext cx="2510157" cy="1112301"/>
+        </a:xfrm>
+        <a:prstGeom prst="rect">
+          <a:avLst/>
+        </a:prstGeom>
+        <a:solidFill>
+          <a:schemeClr val="lt1">
+            <a:alpha val="90000"/>
+            <a:tint val="40000"/>
+            <a:hueOff val="0"/>
+            <a:satOff val="0"/>
+            <a:lumOff val="0"/>
+            <a:alphaOff val="0"/>
+          </a:schemeClr>
+        </a:solidFill>
+        <a:ln w="9525" cap="flat" cmpd="sng" algn="ctr">
+          <a:solidFill>
+            <a:schemeClr val="accent6">
+              <a:alpha val="90000"/>
+              <a:hueOff val="0"/>
+              <a:satOff val="0"/>
+              <a:lumOff val="0"/>
+              <a:alphaOff val="0"/>
+            </a:schemeClr>
+          </a:solidFill>
+          <a:prstDash val="solid"/>
+        </a:ln>
+        <a:effectLst>
+          <a:outerShdw blurRad="65500" dist="38100" dir="5400000" rotWithShape="0">
+            <a:srgbClr val="000000">
+              <a:alpha val="40000"/>
+            </a:srgbClr>
+          </a:outerShdw>
+        </a:effectLst>
+      </dsp:spPr>
+      <dsp:style>
+        <a:lnRef idx="1">
+          <a:scrgbClr r="0" g="0" b="0"/>
+        </a:lnRef>
+        <a:fillRef idx="1">
+          <a:scrgbClr r="0" g="0" b="0"/>
+        </a:fillRef>
+        <a:effectRef idx="2">
+          <a:scrgbClr r="0" g="0" b="0"/>
+        </a:effectRef>
+        <a:fontRef idx="minor"/>
+      </dsp:style>
+      <dsp:txBody>
+        <a:bodyPr spcFirstLastPara="0" vert="horz" wrap="square" lIns="0" tIns="113792" rIns="113792" bIns="113792" numCol="1" spcCol="1270" anchor="ctr" anchorCtr="0">
+          <a:noAutofit/>
+        </a:bodyPr>
+        <a:lstStyle/>
+        <a:p>
+          <a:pPr lvl="0" algn="l" defTabSz="711200">
+            <a:lnSpc>
+              <a:spcPct val="90000"/>
+            </a:lnSpc>
+            <a:spcBef>
+              <a:spcPct val="0"/>
+            </a:spcBef>
+            <a:spcAft>
+              <a:spcPct val="35000"/>
+            </a:spcAft>
+          </a:pPr>
+          <a:r>
+            <a:rPr lang="fr-FR" sz="1600" kern="1200" dirty="0" err="1" smtClean="0"/>
+            <a:t>Understand</a:t>
+          </a:r>
+          <a:r>
+            <a:rPr lang="fr-FR" sz="1600" kern="1200" dirty="0" smtClean="0"/>
+            <a:t> the </a:t>
+          </a:r>
+          <a:r>
+            <a:rPr lang="fr-FR" sz="1600" kern="1200" dirty="0" err="1" smtClean="0"/>
+            <a:t>underlying</a:t>
+          </a:r>
+          <a:r>
+            <a:rPr lang="fr-FR" sz="1600" kern="1200" dirty="0" smtClean="0"/>
+            <a:t> </a:t>
+          </a:r>
+          <a:r>
+            <a:rPr lang="fr-FR" sz="1600" kern="1200" dirty="0" err="1" smtClean="0"/>
+            <a:t>problems</a:t>
+          </a:r>
+          <a:r>
+            <a:rPr lang="fr-FR" sz="1600" kern="1200" dirty="0" smtClean="0"/>
+            <a:t> </a:t>
+          </a:r>
+          <a:r>
+            <a:rPr lang="fr-FR" sz="1600" kern="1200" dirty="0" err="1" smtClean="0"/>
+            <a:t>before</a:t>
+          </a:r>
+          <a:r>
+            <a:rPr lang="fr-FR" sz="1600" kern="1200" dirty="0" smtClean="0"/>
+            <a:t> </a:t>
+          </a:r>
+          <a:r>
+            <a:rPr lang="fr-FR" sz="1600" kern="1200" dirty="0" err="1" smtClean="0"/>
+            <a:t>considering</a:t>
+          </a:r>
+          <a:r>
+            <a:rPr lang="fr-FR" sz="1600" kern="1200" dirty="0" smtClean="0"/>
+            <a:t> </a:t>
+          </a:r>
+          <a:r>
+            <a:rPr lang="fr-FR" sz="1600" kern="1200" dirty="0" err="1" smtClean="0"/>
+            <a:t>any</a:t>
+          </a:r>
+          <a:r>
+            <a:rPr lang="fr-FR" sz="1600" kern="1200" dirty="0" smtClean="0"/>
+            <a:t> </a:t>
+          </a:r>
+          <a:r>
+            <a:rPr lang="fr-FR" sz="1600" kern="1200" dirty="0" err="1" smtClean="0"/>
+            <a:t>specification</a:t>
+          </a:r>
+          <a:endParaRPr lang="fr-FR" sz="1600" kern="1200" dirty="0"/>
+        </a:p>
+      </dsp:txBody>
+      <dsp:txXfrm>
+        <a:off x="4385729" y="1639780"/>
+        <a:ext cx="2108532" cy="1112301"/>
+      </dsp:txXfrm>
+    </dsp:sp>
+    <dsp:sp modelId="{2E8A679C-8039-49E0-892C-C2D30B2F3D40}">
+      <dsp:nvSpPr>
+        <dsp:cNvPr id="0" name=""/>
+        <dsp:cNvSpPr/>
+      </dsp:nvSpPr>
+      <dsp:spPr>
+        <a:xfrm>
+          <a:off x="3376426" y="704230"/>
+          <a:ext cx="1111746" cy="1111746"/>
+        </a:xfrm>
+        <a:prstGeom prst="ellipse">
+          <a:avLst/>
+        </a:prstGeom>
+        <a:gradFill rotWithShape="0">
+          <a:gsLst>
+            <a:gs pos="0">
+              <a:schemeClr val="lt1">
+                <a:hueOff val="0"/>
+                <a:satOff val="0"/>
+                <a:lumOff val="0"/>
+                <a:alphaOff val="0"/>
+                <a:shade val="45000"/>
+                <a:satMod val="155000"/>
+              </a:schemeClr>
+            </a:gs>
+            <a:gs pos="60000">
+              <a:schemeClr val="lt1">
+                <a:hueOff val="0"/>
+                <a:satOff val="0"/>
+                <a:lumOff val="0"/>
+                <a:alphaOff val="0"/>
+                <a:shade val="95000"/>
+                <a:satMod val="150000"/>
+              </a:schemeClr>
+            </a:gs>
+            <a:gs pos="100000">
+              <a:schemeClr val="lt1">
+                <a:hueOff val="0"/>
+                <a:satOff val="0"/>
+                <a:lumOff val="0"/>
+                <a:alphaOff val="0"/>
+                <a:tint val="87000"/>
+                <a:satMod val="250000"/>
+              </a:schemeClr>
+            </a:gs>
+          </a:gsLst>
+          <a:lin ang="16200000" scaled="0"/>
+        </a:gradFill>
+        <a:ln>
+          <a:noFill/>
+        </a:ln>
+        <a:effectLst>
+          <a:outerShdw blurRad="65500" dist="38100" dir="5400000" rotWithShape="0">
+            <a:srgbClr val="000000">
+              <a:alpha val="40000"/>
+            </a:srgbClr>
+          </a:outerShdw>
+        </a:effectLst>
+        <a:scene3d>
+          <a:camera prst="orthographicFront" fov="0">
+            <a:rot lat="0" lon="0" rev="0"/>
+          </a:camera>
+          <a:lightRig rig="contrasting" dir="t">
+            <a:rot lat="0" lon="0" rev="12000000"/>
+          </a:lightRig>
+        </a:scene3d>
+        <a:sp3d prstMaterial="powder">
+          <a:bevelT h="50800"/>
+        </a:sp3d>
+      </dsp:spPr>
+      <dsp:style>
+        <a:lnRef idx="0">
+          <a:scrgbClr r="0" g="0" b="0"/>
+        </a:lnRef>
+        <a:fillRef idx="3">
+          <a:scrgbClr r="0" g="0" b="0"/>
+        </a:fillRef>
+        <a:effectRef idx="3">
+          <a:scrgbClr r="0" g="0" b="0"/>
+        </a:effectRef>
+        <a:fontRef idx="minor">
+          <a:schemeClr val="lt1"/>
+        </a:fontRef>
+      </dsp:style>
+      <dsp:txBody>
+        <a:bodyPr spcFirstLastPara="0" vert="horz" wrap="square" lIns="0" tIns="0" rIns="0" bIns="0" numCol="1" spcCol="1270" anchor="ctr" anchorCtr="0">
+          <a:noAutofit/>
+        </a:bodyPr>
+        <a:lstStyle/>
+        <a:p>
+          <a:pPr lvl="0" algn="ctr" defTabSz="755650">
+            <a:lnSpc>
+              <a:spcPct val="90000"/>
+            </a:lnSpc>
+            <a:spcBef>
+              <a:spcPct val="0"/>
+            </a:spcBef>
+            <a:spcAft>
+              <a:spcPct val="35000"/>
+            </a:spcAft>
+          </a:pPr>
+          <a:r>
+            <a:rPr lang="fr-FR" sz="1700" b="1" kern="1200" dirty="0" err="1" smtClean="0"/>
+            <a:t>Problem</a:t>
+          </a:r>
+          <a:r>
+            <a:rPr lang="fr-FR" sz="1700" b="1" kern="1200" dirty="0" smtClean="0"/>
+            <a:t> frames</a:t>
+          </a:r>
+          <a:endParaRPr lang="fr-FR" sz="1700" b="1" kern="1200" dirty="0"/>
+        </a:p>
+      </dsp:txBody>
+      <dsp:txXfrm>
+        <a:off x="3376426" y="704230"/>
+        <a:ext cx="1111746" cy="1111746"/>
+      </dsp:txXfrm>
+    </dsp:sp>
   </dsp:spTree>
 </dsp:drawing>
 </file>
 
 <file path=ppt/diagrams/drawing2.xml><?xml version="1.0" encoding="utf-8"?>
-<dsp:drawing xmlns:dgm="http://schemas.openxmlformats.org/drawingml/2006/diagram" xmlns:dsp="http://schemas.microsoft.com/office/drawing/2008/diagram" xmlns:a="http://schemas.openxmlformats.org/drawingml/2006/main">
+<dsp:drawing xmlns:dgm="http://schemas.openxmlformats.org/drawingml/2006/diagram" xmlns:a="http://schemas.openxmlformats.org/drawingml/2006/main" xmlns:dsp="http://schemas.microsoft.com/office/drawing/2008/diagram">
   <dsp:spTree>
     <dsp:nvGrpSpPr>
       <dsp:cNvPr id="0" name=""/>
       <dsp:cNvGrpSpPr/>
     </dsp:nvGrpSpPr>
     <dsp:grpSpPr/>
+    <dsp:sp modelId="{22A99387-A6D2-43E3-AF24-6FADF6F83837}">
+      <dsp:nvSpPr>
+        <dsp:cNvPr id="0" name=""/>
+        <dsp:cNvSpPr/>
+      </dsp:nvSpPr>
+      <dsp:spPr>
+        <a:xfrm>
+          <a:off x="0" y="0"/>
+          <a:ext cx="7227123" cy="1445424"/>
+        </a:xfrm>
+        <a:prstGeom prst="rect">
+          <a:avLst/>
+        </a:prstGeom>
+        <a:solidFill>
+          <a:schemeClr val="accent6">
+            <a:shade val="80000"/>
+            <a:hueOff val="0"/>
+            <a:satOff val="0"/>
+            <a:lumOff val="0"/>
+            <a:alphaOff val="0"/>
+          </a:schemeClr>
+        </a:solidFill>
+        <a:ln>
+          <a:noFill/>
+        </a:ln>
+        <a:effectLst>
+          <a:outerShdw blurRad="65500" dist="38100" dir="5400000" rotWithShape="0">
+            <a:srgbClr val="000000">
+              <a:alpha val="40000"/>
+            </a:srgbClr>
+          </a:outerShdw>
+        </a:effectLst>
+      </dsp:spPr>
+      <dsp:style>
+        <a:lnRef idx="0">
+          <a:scrgbClr r="0" g="0" b="0"/>
+        </a:lnRef>
+        <a:fillRef idx="1">
+          <a:scrgbClr r="0" g="0" b="0"/>
+        </a:fillRef>
+        <a:effectRef idx="2">
+          <a:scrgbClr r="0" g="0" b="0"/>
+        </a:effectRef>
+        <a:fontRef idx="minor"/>
+      </dsp:style>
+      <dsp:txBody>
+        <a:bodyPr spcFirstLastPara="0" vert="horz" wrap="square" lIns="99060" tIns="99060" rIns="99060" bIns="99060" numCol="1" spcCol="1270" anchor="ctr" anchorCtr="0">
+          <a:noAutofit/>
+        </a:bodyPr>
+        <a:lstStyle/>
+        <a:p>
+          <a:pPr lvl="0" algn="ctr" defTabSz="1155700">
+            <a:lnSpc>
+              <a:spcPct val="90000"/>
+            </a:lnSpc>
+            <a:spcBef>
+              <a:spcPct val="0"/>
+            </a:spcBef>
+            <a:spcAft>
+              <a:spcPct val="35000"/>
+            </a:spcAft>
+          </a:pPr>
+          <a:r>
+            <a:rPr lang="fr-FR" sz="2600" kern="1200" dirty="0" smtClean="0"/>
+            <a:t>New aspects of </a:t>
+          </a:r>
+          <a:r>
+            <a:rPr lang="fr-FR" sz="2600" kern="1200" dirty="0" err="1" smtClean="0"/>
+            <a:t>requirements</a:t>
+          </a:r>
+          <a:r>
+            <a:rPr lang="fr-FR" sz="2600" kern="1200" dirty="0" smtClean="0"/>
+            <a:t> </a:t>
+          </a:r>
+          <a:r>
+            <a:rPr lang="fr-FR" sz="2600" kern="1200" dirty="0" err="1" smtClean="0"/>
+            <a:t>were</a:t>
+          </a:r>
+          <a:r>
+            <a:rPr lang="fr-FR" sz="2600" kern="1200" dirty="0" smtClean="0"/>
+            <a:t> </a:t>
+          </a:r>
+          <a:r>
+            <a:rPr lang="fr-FR" sz="2600" kern="1200" dirty="0" err="1" smtClean="0"/>
+            <a:t>emphasized</a:t>
+          </a:r>
+          <a:r>
+            <a:rPr lang="fr-FR" sz="2600" kern="1200" dirty="0" smtClean="0"/>
+            <a:t> </a:t>
+          </a:r>
+          <a:r>
+            <a:rPr lang="fr-FR" sz="2600" kern="1200" dirty="0" err="1" smtClean="0"/>
+            <a:t>using</a:t>
+          </a:r>
+          <a:r>
+            <a:rPr lang="fr-FR" sz="2600" kern="1200" dirty="0" smtClean="0"/>
+            <a:t> </a:t>
+          </a:r>
+          <a:r>
+            <a:rPr lang="fr-FR" sz="2600" kern="1200" dirty="0" err="1" smtClean="0"/>
+            <a:t>problem</a:t>
+          </a:r>
+          <a:r>
+            <a:rPr lang="fr-FR" sz="2600" kern="1200" dirty="0" smtClean="0"/>
+            <a:t> frames. </a:t>
+          </a:r>
+        </a:p>
+        <a:p>
+          <a:pPr lvl="0" algn="ctr" defTabSz="1155700">
+            <a:lnSpc>
+              <a:spcPct val="90000"/>
+            </a:lnSpc>
+            <a:spcBef>
+              <a:spcPct val="0"/>
+            </a:spcBef>
+            <a:spcAft>
+              <a:spcPct val="35000"/>
+            </a:spcAft>
+          </a:pPr>
+          <a:r>
+            <a:rPr lang="fr-FR" sz="2600" kern="1200" dirty="0" err="1" smtClean="0"/>
+            <a:t>Necessity</a:t>
+          </a:r>
+          <a:r>
+            <a:rPr lang="fr-FR" sz="2600" kern="1200" dirty="0" smtClean="0"/>
+            <a:t> of:</a:t>
+          </a:r>
+          <a:endParaRPr lang="fr-FR" sz="2600" kern="1200" dirty="0"/>
+        </a:p>
+      </dsp:txBody>
+      <dsp:txXfrm>
+        <a:off x="0" y="0"/>
+        <a:ext cx="7227123" cy="1445424"/>
+      </dsp:txXfrm>
+    </dsp:sp>
+    <dsp:sp modelId="{8241D08B-CB62-4962-9D9B-1D2183EA71DA}">
+      <dsp:nvSpPr>
+        <dsp:cNvPr id="0" name=""/>
+        <dsp:cNvSpPr/>
+      </dsp:nvSpPr>
+      <dsp:spPr>
+        <a:xfrm>
+          <a:off x="3528" y="1445424"/>
+          <a:ext cx="2406688" cy="3035391"/>
+        </a:xfrm>
+        <a:prstGeom prst="rect">
+          <a:avLst/>
+        </a:prstGeom>
+        <a:gradFill rotWithShape="0">
+          <a:gsLst>
+            <a:gs pos="0">
+              <a:schemeClr val="lt1">
+                <a:hueOff val="0"/>
+                <a:satOff val="0"/>
+                <a:lumOff val="0"/>
+                <a:alphaOff val="0"/>
+                <a:shade val="45000"/>
+                <a:satMod val="155000"/>
+              </a:schemeClr>
+            </a:gs>
+            <a:gs pos="60000">
+              <a:schemeClr val="lt1">
+                <a:hueOff val="0"/>
+                <a:satOff val="0"/>
+                <a:lumOff val="0"/>
+                <a:alphaOff val="0"/>
+                <a:shade val="95000"/>
+                <a:satMod val="150000"/>
+              </a:schemeClr>
+            </a:gs>
+            <a:gs pos="100000">
+              <a:schemeClr val="lt1">
+                <a:hueOff val="0"/>
+                <a:satOff val="0"/>
+                <a:lumOff val="0"/>
+                <a:alphaOff val="0"/>
+                <a:tint val="87000"/>
+                <a:satMod val="250000"/>
+              </a:schemeClr>
+            </a:gs>
+          </a:gsLst>
+          <a:lin ang="16200000" scaled="0"/>
+        </a:gradFill>
+        <a:ln>
+          <a:noFill/>
+        </a:ln>
+        <a:effectLst>
+          <a:outerShdw blurRad="65500" dist="38100" dir="5400000" rotWithShape="0">
+            <a:srgbClr val="000000">
+              <a:alpha val="40000"/>
+            </a:srgbClr>
+          </a:outerShdw>
+        </a:effectLst>
+      </dsp:spPr>
+      <dsp:style>
+        <a:lnRef idx="0">
+          <a:scrgbClr r="0" g="0" b="0"/>
+        </a:lnRef>
+        <a:fillRef idx="3">
+          <a:scrgbClr r="0" g="0" b="0"/>
+        </a:fillRef>
+        <a:effectRef idx="2">
+          <a:scrgbClr r="0" g="0" b="0"/>
+        </a:effectRef>
+        <a:fontRef idx="minor">
+          <a:schemeClr val="lt1"/>
+        </a:fontRef>
+      </dsp:style>
+      <dsp:txBody>
+        <a:bodyPr spcFirstLastPara="0" vert="horz" wrap="square" lIns="76200" tIns="76200" rIns="76200" bIns="76200" numCol="1" spcCol="1270" anchor="ctr" anchorCtr="0">
+          <a:noAutofit/>
+        </a:bodyPr>
+        <a:lstStyle/>
+        <a:p>
+          <a:pPr lvl="0" algn="ctr" defTabSz="889000">
+            <a:lnSpc>
+              <a:spcPct val="90000"/>
+            </a:lnSpc>
+            <a:spcBef>
+              <a:spcPct val="0"/>
+            </a:spcBef>
+            <a:spcAft>
+              <a:spcPct val="35000"/>
+            </a:spcAft>
+          </a:pPr>
+          <a:r>
+            <a:rPr lang="fr-FR" sz="2000" kern="1200" dirty="0" err="1" smtClean="0"/>
+            <a:t>clearly</a:t>
+          </a:r>
+          <a:r>
+            <a:rPr lang="fr-FR" sz="2000" kern="1200" dirty="0" smtClean="0"/>
+            <a:t> </a:t>
+          </a:r>
+          <a:r>
+            <a:rPr lang="fr-FR" sz="2000" kern="1200" dirty="0" err="1" smtClean="0"/>
+            <a:t>defining</a:t>
+          </a:r>
+          <a:r>
+            <a:rPr lang="fr-FR" sz="2000" kern="1200" dirty="0" smtClean="0"/>
+            <a:t> </a:t>
+          </a:r>
+          <a:r>
+            <a:rPr lang="fr-FR" sz="2000" kern="1200" dirty="0" err="1" smtClean="0"/>
+            <a:t>which</a:t>
+          </a:r>
+          <a:r>
+            <a:rPr lang="fr-FR" sz="2000" kern="1200" dirty="0" smtClean="0"/>
+            <a:t> </a:t>
+          </a:r>
+          <a:r>
+            <a:rPr lang="fr-FR" sz="2000" kern="1200" dirty="0" err="1" smtClean="0"/>
+            <a:t>domains</a:t>
+          </a:r>
+          <a:r>
+            <a:rPr lang="fr-FR" sz="2000" kern="1200" dirty="0" smtClean="0"/>
+            <a:t> </a:t>
+          </a:r>
+          <a:r>
+            <a:rPr lang="fr-FR" sz="2000" kern="1200" dirty="0" err="1" smtClean="0"/>
+            <a:t>interact</a:t>
+          </a:r>
+          <a:r>
+            <a:rPr lang="fr-FR" sz="2000" kern="1200" dirty="0" smtClean="0"/>
+            <a:t> </a:t>
+          </a:r>
+          <a:r>
+            <a:rPr lang="fr-FR" sz="2000" kern="1200" dirty="0" err="1" smtClean="0"/>
+            <a:t>with</a:t>
+          </a:r>
+          <a:r>
+            <a:rPr lang="fr-FR" sz="2000" kern="1200" dirty="0" smtClean="0"/>
+            <a:t> the machine</a:t>
+          </a:r>
+          <a:endParaRPr lang="fr-FR" sz="2000" kern="1200" dirty="0"/>
+        </a:p>
+      </dsp:txBody>
+      <dsp:txXfrm>
+        <a:off x="3528" y="1445424"/>
+        <a:ext cx="2406688" cy="3035391"/>
+      </dsp:txXfrm>
+    </dsp:sp>
+    <dsp:sp modelId="{36A69038-D135-4966-B855-369C1C83C96F}">
+      <dsp:nvSpPr>
+        <dsp:cNvPr id="0" name=""/>
+        <dsp:cNvSpPr/>
+      </dsp:nvSpPr>
+      <dsp:spPr>
+        <a:xfrm>
+          <a:off x="2410217" y="1445424"/>
+          <a:ext cx="2406688" cy="3035391"/>
+        </a:xfrm>
+        <a:prstGeom prst="rect">
+          <a:avLst/>
+        </a:prstGeom>
+        <a:gradFill rotWithShape="0">
+          <a:gsLst>
+            <a:gs pos="0">
+              <a:schemeClr val="lt1">
+                <a:hueOff val="0"/>
+                <a:satOff val="0"/>
+                <a:lumOff val="0"/>
+                <a:alphaOff val="0"/>
+                <a:shade val="45000"/>
+                <a:satMod val="155000"/>
+              </a:schemeClr>
+            </a:gs>
+            <a:gs pos="60000">
+              <a:schemeClr val="lt1">
+                <a:hueOff val="0"/>
+                <a:satOff val="0"/>
+                <a:lumOff val="0"/>
+                <a:alphaOff val="0"/>
+                <a:shade val="95000"/>
+                <a:satMod val="150000"/>
+              </a:schemeClr>
+            </a:gs>
+            <a:gs pos="100000">
+              <a:schemeClr val="lt1">
+                <a:hueOff val="0"/>
+                <a:satOff val="0"/>
+                <a:lumOff val="0"/>
+                <a:alphaOff val="0"/>
+                <a:tint val="87000"/>
+                <a:satMod val="250000"/>
+              </a:schemeClr>
+            </a:gs>
+          </a:gsLst>
+          <a:lin ang="16200000" scaled="0"/>
+        </a:gradFill>
+        <a:ln>
+          <a:noFill/>
+        </a:ln>
+        <a:effectLst>
+          <a:outerShdw blurRad="65500" dist="38100" dir="5400000" rotWithShape="0">
+            <a:srgbClr val="000000">
+              <a:alpha val="40000"/>
+            </a:srgbClr>
+          </a:outerShdw>
+        </a:effectLst>
+      </dsp:spPr>
+      <dsp:style>
+        <a:lnRef idx="0">
+          <a:scrgbClr r="0" g="0" b="0"/>
+        </a:lnRef>
+        <a:fillRef idx="3">
+          <a:scrgbClr r="0" g="0" b="0"/>
+        </a:fillRef>
+        <a:effectRef idx="2">
+          <a:scrgbClr r="0" g="0" b="0"/>
+        </a:effectRef>
+        <a:fontRef idx="minor">
+          <a:schemeClr val="lt1"/>
+        </a:fontRef>
+      </dsp:style>
+      <dsp:txBody>
+        <a:bodyPr spcFirstLastPara="0" vert="horz" wrap="square" lIns="76200" tIns="76200" rIns="76200" bIns="76200" numCol="1" spcCol="1270" anchor="ctr" anchorCtr="0">
+          <a:noAutofit/>
+        </a:bodyPr>
+        <a:lstStyle/>
+        <a:p>
+          <a:pPr lvl="0" algn="ctr" defTabSz="889000">
+            <a:lnSpc>
+              <a:spcPct val="90000"/>
+            </a:lnSpc>
+            <a:spcBef>
+              <a:spcPct val="0"/>
+            </a:spcBef>
+            <a:spcAft>
+              <a:spcPct val="35000"/>
+            </a:spcAft>
+          </a:pPr>
+          <a:r>
+            <a:rPr lang="fr-FR" sz="2000" kern="1200" dirty="0" err="1" smtClean="0"/>
+            <a:t>considering</a:t>
+          </a:r>
+          <a:r>
+            <a:rPr lang="fr-FR" sz="2000" kern="1200" dirty="0" smtClean="0"/>
+            <a:t> </a:t>
+          </a:r>
+          <a:r>
+            <a:rPr lang="fr-FR" sz="2000" kern="1200" dirty="0" err="1" smtClean="0"/>
+            <a:t>both</a:t>
+          </a:r>
+          <a:r>
+            <a:rPr lang="fr-FR" sz="2000" kern="1200" dirty="0" smtClean="0"/>
+            <a:t> data </a:t>
+          </a:r>
+          <a:r>
+            <a:rPr lang="fr-FR" sz="2000" kern="1200" dirty="0" err="1" smtClean="0"/>
+            <a:t>storage</a:t>
+          </a:r>
+          <a:r>
+            <a:rPr lang="fr-FR" sz="2000" kern="1200" dirty="0" smtClean="0"/>
+            <a:t>, </a:t>
+          </a:r>
+          <a:r>
+            <a:rPr lang="fr-FR" sz="2000" kern="1200" dirty="0" err="1" smtClean="0"/>
+            <a:t>processing</a:t>
+          </a:r>
+          <a:r>
+            <a:rPr lang="fr-FR" sz="2000" kern="1200" dirty="0" smtClean="0"/>
+            <a:t> and display</a:t>
+          </a:r>
+          <a:endParaRPr lang="fr-FR" sz="2000" kern="1200" dirty="0"/>
+        </a:p>
+      </dsp:txBody>
+      <dsp:txXfrm>
+        <a:off x="2410217" y="1445424"/>
+        <a:ext cx="2406688" cy="3035391"/>
+      </dsp:txXfrm>
+    </dsp:sp>
+    <dsp:sp modelId="{C9068F78-E09E-4543-A698-C5622D67FE22}">
+      <dsp:nvSpPr>
+        <dsp:cNvPr id="0" name=""/>
+        <dsp:cNvSpPr/>
+      </dsp:nvSpPr>
+      <dsp:spPr>
+        <a:xfrm>
+          <a:off x="4816905" y="1445424"/>
+          <a:ext cx="2406688" cy="3035391"/>
+        </a:xfrm>
+        <a:prstGeom prst="rect">
+          <a:avLst/>
+        </a:prstGeom>
+        <a:gradFill rotWithShape="0">
+          <a:gsLst>
+            <a:gs pos="0">
+              <a:schemeClr val="lt1">
+                <a:hueOff val="0"/>
+                <a:satOff val="0"/>
+                <a:lumOff val="0"/>
+                <a:alphaOff val="0"/>
+                <a:shade val="45000"/>
+                <a:satMod val="155000"/>
+              </a:schemeClr>
+            </a:gs>
+            <a:gs pos="60000">
+              <a:schemeClr val="lt1">
+                <a:hueOff val="0"/>
+                <a:satOff val="0"/>
+                <a:lumOff val="0"/>
+                <a:alphaOff val="0"/>
+                <a:shade val="95000"/>
+                <a:satMod val="150000"/>
+              </a:schemeClr>
+            </a:gs>
+            <a:gs pos="100000">
+              <a:schemeClr val="lt1">
+                <a:hueOff val="0"/>
+                <a:satOff val="0"/>
+                <a:lumOff val="0"/>
+                <a:alphaOff val="0"/>
+                <a:tint val="87000"/>
+                <a:satMod val="250000"/>
+              </a:schemeClr>
+            </a:gs>
+          </a:gsLst>
+          <a:lin ang="16200000" scaled="0"/>
+        </a:gradFill>
+        <a:ln>
+          <a:noFill/>
+        </a:ln>
+        <a:effectLst>
+          <a:outerShdw blurRad="65500" dist="38100" dir="5400000" rotWithShape="0">
+            <a:srgbClr val="000000">
+              <a:alpha val="40000"/>
+            </a:srgbClr>
+          </a:outerShdw>
+        </a:effectLst>
+      </dsp:spPr>
+      <dsp:style>
+        <a:lnRef idx="0">
+          <a:scrgbClr r="0" g="0" b="0"/>
+        </a:lnRef>
+        <a:fillRef idx="3">
+          <a:scrgbClr r="0" g="0" b="0"/>
+        </a:fillRef>
+        <a:effectRef idx="2">
+          <a:scrgbClr r="0" g="0" b="0"/>
+        </a:effectRef>
+        <a:fontRef idx="minor">
+          <a:schemeClr val="lt1"/>
+        </a:fontRef>
+      </dsp:style>
+      <dsp:txBody>
+        <a:bodyPr spcFirstLastPara="0" vert="horz" wrap="square" lIns="76200" tIns="76200" rIns="76200" bIns="76200" numCol="1" spcCol="1270" anchor="ctr" anchorCtr="0">
+          <a:noAutofit/>
+        </a:bodyPr>
+        <a:lstStyle/>
+        <a:p>
+          <a:pPr lvl="0" algn="ctr" defTabSz="889000">
+            <a:lnSpc>
+              <a:spcPct val="90000"/>
+            </a:lnSpc>
+            <a:spcBef>
+              <a:spcPct val="0"/>
+            </a:spcBef>
+            <a:spcAft>
+              <a:spcPct val="35000"/>
+            </a:spcAft>
+          </a:pPr>
+          <a:r>
+            <a:rPr lang="fr-FR" sz="2000" kern="1200" dirty="0" err="1" smtClean="0"/>
+            <a:t>considering</a:t>
+          </a:r>
+          <a:r>
+            <a:rPr lang="fr-FR" sz="2000" kern="1200" dirty="0" smtClean="0"/>
+            <a:t> </a:t>
+          </a:r>
+          <a:r>
+            <a:rPr lang="fr-FR" sz="2000" kern="1200" dirty="0" err="1" smtClean="0"/>
+            <a:t>errors</a:t>
+          </a:r>
+          <a:r>
+            <a:rPr lang="fr-FR" sz="2000" kern="1200" dirty="0" smtClean="0"/>
+            <a:t> and exceptions in interactions</a:t>
+          </a:r>
+          <a:endParaRPr lang="fr-FR" sz="2000" kern="1200" dirty="0"/>
+        </a:p>
+      </dsp:txBody>
+      <dsp:txXfrm>
+        <a:off x="4816905" y="1445424"/>
+        <a:ext cx="2406688" cy="3035391"/>
+      </dsp:txXfrm>
+    </dsp:sp>
+    <dsp:sp modelId="{A1F39E40-4505-49AF-8063-5ABC118C2541}">
+      <dsp:nvSpPr>
+        <dsp:cNvPr id="0" name=""/>
+        <dsp:cNvSpPr/>
+      </dsp:nvSpPr>
+      <dsp:spPr>
+        <a:xfrm>
+          <a:off x="0" y="4480816"/>
+          <a:ext cx="7227123" cy="337265"/>
+        </a:xfrm>
+        <a:prstGeom prst="rect">
+          <a:avLst/>
+        </a:prstGeom>
+        <a:solidFill>
+          <a:schemeClr val="accent6">
+            <a:shade val="80000"/>
+            <a:hueOff val="0"/>
+            <a:satOff val="0"/>
+            <a:lumOff val="0"/>
+            <a:alphaOff val="0"/>
+          </a:schemeClr>
+        </a:solidFill>
+        <a:ln>
+          <a:noFill/>
+        </a:ln>
+        <a:effectLst>
+          <a:outerShdw blurRad="65500" dist="38100" dir="5400000" rotWithShape="0">
+            <a:srgbClr val="000000">
+              <a:alpha val="40000"/>
+            </a:srgbClr>
+          </a:outerShdw>
+        </a:effectLst>
+      </dsp:spPr>
+      <dsp:style>
+        <a:lnRef idx="0">
+          <a:scrgbClr r="0" g="0" b="0"/>
+        </a:lnRef>
+        <a:fillRef idx="1">
+          <a:scrgbClr r="0" g="0" b="0"/>
+        </a:fillRef>
+        <a:effectRef idx="2">
+          <a:scrgbClr r="0" g="0" b="0"/>
+        </a:effectRef>
+        <a:fontRef idx="minor"/>
+      </dsp:style>
+    </dsp:sp>
   </dsp:spTree>
 </dsp:drawing>
 </file>
@@ -5426,7 +6463,7 @@
               <a:pPr>
                 <a:defRPr/>
               </a:pPr>
-              <a:t>‹#›</a:t>
+              <a:t>‹N°›</a:t>
             </a:fld>
             <a:endParaRPr lang="fr-FR" altLang="ko-KR"/>
           </a:p>
@@ -5435,7 +6472,7 @@
     </p:spTree>
     <p:extLst>
       <p:ext uri="{BB962C8B-B14F-4D97-AF65-F5344CB8AC3E}">
-        <p14:creationId xmlns:p14="http://schemas.microsoft.com/office/powerpoint/2007/7/12/main" val="3216856891"/>
+        <p14:creationId xmlns:p14="http://schemas.microsoft.com/office/powerpoint/2007/7/12/main" xmlns="" val="3216856891"/>
       </p:ext>
     </p:extLst>
   </p:cSld>
@@ -5731,7 +6768,7 @@
               <a:pPr>
                 <a:defRPr/>
               </a:pPr>
-              <a:t>‹#›</a:t>
+              <a:t>‹N°›</a:t>
             </a:fld>
             <a:endParaRPr lang="fr-FR" altLang="ko-KR"/>
           </a:p>
@@ -5740,7 +6777,7 @@
     </p:spTree>
     <p:extLst>
       <p:ext uri="{BB962C8B-B14F-4D97-AF65-F5344CB8AC3E}">
-        <p14:creationId xmlns:p14="http://schemas.microsoft.com/office/powerpoint/2007/7/12/main" val="3483236166"/>
+        <p14:creationId xmlns:p14="http://schemas.microsoft.com/office/powerpoint/2007/7/12/main" xmlns="" val="3483236166"/>
       </p:ext>
     </p:extLst>
   </p:cSld>
@@ -5943,7 +6980,7 @@
             </a:pPr>
             <a:endParaRPr lang="ko-KR" altLang="ko-KR">
               <a:solidFill>
-                <a:srgbClr xmlns:mc="http://schemas.openxmlformats.org/markup-compatibility/2006" xmlns:a14="http://schemas.microsoft.com/office/drawing/2007/7/7/main" val="000000" mc:Ignorable=""/>
+                <a:srgbClr val="000000"/>
               </a:solidFill>
               <a:cs typeface="Arial" charset="0"/>
             </a:endParaRPr>
@@ -6002,7 +7039,7 @@
             </a:pPr>
             <a:endParaRPr lang="ko-KR" altLang="ko-KR">
               <a:solidFill>
-                <a:srgbClr xmlns:mc="http://schemas.openxmlformats.org/markup-compatibility/2006" xmlns:a14="http://schemas.microsoft.com/office/drawing/2007/7/7/main" val="000000" mc:Ignorable=""/>
+                <a:srgbClr val="000000"/>
               </a:solidFill>
               <a:cs typeface="Arial" charset="0"/>
             </a:endParaRPr>
@@ -6063,7 +7100,7 @@
             </a:pPr>
             <a:endParaRPr lang="ko-KR" altLang="ko-KR">
               <a:solidFill>
-                <a:srgbClr xmlns:mc="http://schemas.openxmlformats.org/markup-compatibility/2006" xmlns:a14="http://schemas.microsoft.com/office/drawing/2007/7/7/main" val="000000" mc:Ignorable=""/>
+                <a:srgbClr val="000000"/>
               </a:solidFill>
               <a:cs typeface="Arial" charset="0"/>
             </a:endParaRPr>
@@ -6391,7 +7428,7 @@
   <p:timing>
     <p:tnLst>
       <p:par>
-        <p:cTn xmlns:p14="http://schemas.microsoft.com/office/powerpoint/2007/7/12/main" id="1" dur="indefinite" restart="never" nodeType="tmRoot"/>
+        <p:cTn id="1" dur="indefinite" restart="never" nodeType="tmRoot"/>
       </p:par>
     </p:tnLst>
   </p:timing>
@@ -6467,7 +7504,7 @@
             </a:pPr>
             <a:endParaRPr lang="ko-KR" altLang="ko-KR">
               <a:solidFill>
-                <a:srgbClr xmlns:mc="http://schemas.openxmlformats.org/markup-compatibility/2006" xmlns:a14="http://schemas.microsoft.com/office/drawing/2007/7/7/main" val="000000" mc:Ignorable=""/>
+                <a:srgbClr val="000000"/>
               </a:solidFill>
               <a:cs typeface="Arial" charset="0"/>
             </a:endParaRPr>
@@ -6528,7 +7565,7 @@
             </a:pPr>
             <a:endParaRPr lang="ko-KR" altLang="ko-KR">
               <a:solidFill>
-                <a:srgbClr xmlns:mc="http://schemas.openxmlformats.org/markup-compatibility/2006" xmlns:a14="http://schemas.microsoft.com/office/drawing/2007/7/7/main" val="000000" mc:Ignorable=""/>
+                <a:srgbClr val="000000"/>
               </a:solidFill>
               <a:cs typeface="Arial" charset="0"/>
             </a:endParaRPr>
@@ -6625,7 +7662,7 @@
           <a:lstStyle>
             <a:lvl1pPr marL="0" indent="354013">
               <a:buClr>
-                <a:srgbClr xmlns:mc="http://schemas.openxmlformats.org/markup-compatibility/2006" xmlns:a14="http://schemas.microsoft.com/office/drawing/2007/7/7/main" val="DA7E18" mc:Ignorable=""/>
+                <a:srgbClr val="DA7E18"/>
               </a:buClr>
               <a:buSzPct val="120000"/>
               <a:buFont typeface="+mj-lt"/>
@@ -6634,7 +7671,7 @@
             </a:lvl1pPr>
             <a:lvl2pPr marL="633413" indent="354013">
               <a:buClr>
-                <a:srgbClr xmlns:mc="http://schemas.openxmlformats.org/markup-compatibility/2006" xmlns:a14="http://schemas.microsoft.com/office/drawing/2007/7/7/main" val="E5AB1B" mc:Ignorable=""/>
+                <a:srgbClr val="E5AB1B"/>
               </a:buClr>
               <a:buSzPct val="120000"/>
               <a:buFont typeface="+mj-lt"/>
@@ -6705,7 +7742,7 @@
   <p:timing>
     <p:tnLst>
       <p:par>
-        <p:cTn xmlns:p14="http://schemas.microsoft.com/office/powerpoint/2007/7/12/main" id="1" dur="indefinite" restart="never" nodeType="tmRoot"/>
+        <p:cTn id="1" dur="indefinite" restart="never" nodeType="tmRoot"/>
       </p:par>
     </p:tnLst>
   </p:timing>
@@ -6774,7 +7811,7 @@
             </a:pPr>
             <a:endParaRPr lang="ko-KR" altLang="ko-KR">
               <a:solidFill>
-                <a:srgbClr xmlns:mc="http://schemas.openxmlformats.org/markup-compatibility/2006" xmlns:a14="http://schemas.microsoft.com/office/drawing/2007/7/7/main" val="000000" mc:Ignorable=""/>
+                <a:srgbClr val="000000"/>
               </a:solidFill>
               <a:cs typeface="Arial" charset="0"/>
             </a:endParaRPr>
@@ -6807,7 +7844,7 @@
             </a:pPr>
             <a:endParaRPr lang="ko-KR" altLang="ko-KR" sz="1100" b="1">
               <a:solidFill>
-                <a:srgbClr xmlns:mc="http://schemas.openxmlformats.org/markup-compatibility/2006" xmlns:a14="http://schemas.microsoft.com/office/drawing/2007/7/7/main" val="A0A0A0" mc:Ignorable=""/>
+                <a:srgbClr val="A0A0A0"/>
               </a:solidFill>
               <a:latin typeface="Calibri" pitchFamily="34" charset="0"/>
             </a:endParaRPr>
@@ -6902,7 +7939,7 @@
           <a:lstStyle>
             <a:lvl1pPr marL="0" indent="354013">
               <a:buClr>
-                <a:srgbClr xmlns:mc="http://schemas.openxmlformats.org/markup-compatibility/2006" xmlns:a14="http://schemas.microsoft.com/office/drawing/2007/7/7/main" val="DA7E18" mc:Ignorable=""/>
+                <a:srgbClr val="DA7E18"/>
               </a:buClr>
               <a:buSzPct val="70000"/>
               <a:buFont typeface="Wingdings" pitchFamily="2" charset="2"/>
@@ -6911,7 +7948,7 @@
             </a:lvl1pPr>
             <a:lvl2pPr>
               <a:buClr>
-                <a:srgbClr xmlns:mc="http://schemas.openxmlformats.org/markup-compatibility/2006" xmlns:a14="http://schemas.microsoft.com/office/drawing/2007/7/7/main" val="E5AB1B" mc:Ignorable=""/>
+                <a:srgbClr val="E5AB1B"/>
               </a:buClr>
               <a:buSzPct val="70000"/>
               <a:buFont typeface="Wingdings" pitchFamily="2" charset="2"/>
@@ -7058,7 +8095,7 @@
             </a:pPr>
             <a:endParaRPr lang="ko-KR" altLang="ko-KR">
               <a:solidFill>
-                <a:srgbClr xmlns:mc="http://schemas.openxmlformats.org/markup-compatibility/2006" xmlns:a14="http://schemas.microsoft.com/office/drawing/2007/7/7/main" val="000000" mc:Ignorable=""/>
+                <a:srgbClr val="000000"/>
               </a:solidFill>
               <a:cs typeface="Arial" charset="0"/>
             </a:endParaRPr>
@@ -7117,7 +8154,7 @@
             </a:pPr>
             <a:endParaRPr lang="ko-KR" altLang="ko-KR">
               <a:solidFill>
-                <a:srgbClr xmlns:mc="http://schemas.openxmlformats.org/markup-compatibility/2006" xmlns:a14="http://schemas.microsoft.com/office/drawing/2007/7/7/main" val="000000" mc:Ignorable=""/>
+                <a:srgbClr val="000000"/>
               </a:solidFill>
               <a:cs typeface="Arial" charset="0"/>
             </a:endParaRPr>
@@ -7176,7 +8213,7 @@
             </a:pPr>
             <a:endParaRPr lang="ko-KR" altLang="ko-KR">
               <a:solidFill>
-                <a:srgbClr xmlns:mc="http://schemas.openxmlformats.org/markup-compatibility/2006" xmlns:a14="http://schemas.microsoft.com/office/drawing/2007/7/7/main" val="000000" mc:Ignorable=""/>
+                <a:srgbClr val="000000"/>
               </a:solidFill>
               <a:cs typeface="Arial" charset="0"/>
             </a:endParaRPr>
@@ -7209,7 +8246,7 @@
             </a:pPr>
             <a:endParaRPr lang="ko-KR" altLang="ko-KR" sz="1100" b="1">
               <a:solidFill>
-                <a:srgbClr xmlns:mc="http://schemas.openxmlformats.org/markup-compatibility/2006" xmlns:a14="http://schemas.microsoft.com/office/drawing/2007/7/7/main" val="A0A0A0" mc:Ignorable=""/>
+                <a:srgbClr val="A0A0A0"/>
               </a:solidFill>
               <a:latin typeface="Calibri" pitchFamily="34" charset="0"/>
             </a:endParaRPr>
@@ -7324,7 +8361,7 @@
             <a:r>
               <a:rPr lang="fr-FR" altLang="ko-KR" sz="900" dirty="0" smtClean="0">
                 <a:solidFill>
-                  <a:srgbClr xmlns:mc="http://schemas.openxmlformats.org/markup-compatibility/2006" xmlns:a14="http://schemas.microsoft.com/office/drawing/2007/7/7/main" val="7F7F7F" mc:Ignorable=""/>
+                  <a:srgbClr val="7F7F7F"/>
                 </a:solidFill>
                 <a:ea typeface="굴림" charset="-127"/>
               </a:rPr>
@@ -7333,7 +8370,7 @@
             <a:r>
               <a:rPr lang="fr-FR" altLang="ko-KR" sz="900" baseline="0" dirty="0" smtClean="0">
                 <a:solidFill>
-                  <a:srgbClr xmlns:mc="http://schemas.openxmlformats.org/markup-compatibility/2006" xmlns:a14="http://schemas.microsoft.com/office/drawing/2007/7/7/main" val="7F7F7F" mc:Ignorable=""/>
+                  <a:srgbClr val="7F7F7F"/>
                 </a:solidFill>
                 <a:ea typeface="굴림" charset="-127"/>
               </a:rPr>
@@ -7341,7 +8378,7 @@
             </a:r>
             <a:endParaRPr lang="fr-FR" altLang="ko-KR" sz="900" dirty="0">
               <a:solidFill>
-                <a:srgbClr xmlns:mc="http://schemas.openxmlformats.org/markup-compatibility/2006" xmlns:a14="http://schemas.microsoft.com/office/drawing/2007/7/7/main" val="7F7F7F" mc:Ignorable=""/>
+                <a:srgbClr val="7F7F7F"/>
               </a:solidFill>
               <a:ea typeface="굴림" charset="-127"/>
             </a:endParaRPr>
@@ -7407,7 +8444,7 @@
                 </a:spcAft>
                 <a:defRPr/>
               </a:pPr>
-              <a:t>‹#›</a:t>
+              <a:t>‹N°›</a:t>
             </a:fld>
             <a:r>
               <a:rPr lang="fr-FR" sz="1100" b="1" kern="0" dirty="0" smtClean="0">
@@ -7506,7 +8543,7 @@
             <a:r>
               <a:rPr lang="fr-FR" altLang="ko-KR" sz="1000" dirty="0" err="1" smtClean="0">
                 <a:solidFill>
-                  <a:srgbClr xmlns:mc="http://schemas.openxmlformats.org/markup-compatibility/2006" xmlns:a14="http://schemas.microsoft.com/office/drawing/2007/7/7/main" val="7F7F7F" mc:Ignorable=""/>
+                  <a:srgbClr val="7F7F7F"/>
                 </a:solidFill>
                 <a:latin typeface="Calibri" pitchFamily="34" charset="0"/>
                 <a:ea typeface="굴림" charset="-127"/>
@@ -7516,7 +8553,7 @@
             <a:r>
               <a:rPr lang="fr-FR" altLang="ko-KR" sz="1000" baseline="0" dirty="0" smtClean="0">
                 <a:solidFill>
-                  <a:srgbClr xmlns:mc="http://schemas.openxmlformats.org/markup-compatibility/2006" xmlns:a14="http://schemas.microsoft.com/office/drawing/2007/7/7/main" val="7F7F7F" mc:Ignorable=""/>
+                  <a:srgbClr val="7F7F7F"/>
                 </a:solidFill>
                 <a:latin typeface="Calibri" pitchFamily="34" charset="0"/>
                 <a:ea typeface="굴림" charset="-127"/>
@@ -7526,7 +8563,7 @@
             <a:r>
               <a:rPr lang="fr-FR" altLang="ko-KR" sz="1000" dirty="0" smtClean="0">
                 <a:solidFill>
-                  <a:srgbClr xmlns:mc="http://schemas.openxmlformats.org/markup-compatibility/2006" xmlns:a14="http://schemas.microsoft.com/office/drawing/2007/7/7/main" val="7F7F7F" mc:Ignorable=""/>
+                  <a:srgbClr val="7F7F7F"/>
                 </a:solidFill>
                 <a:latin typeface="Calibri" pitchFamily="34" charset="0"/>
                 <a:ea typeface="굴림" charset="-127"/>
@@ -7536,7 +8573,7 @@
             <a:r>
               <a:rPr lang="fr-FR" altLang="ko-KR" sz="1000" dirty="0">
                 <a:solidFill>
-                  <a:srgbClr xmlns:mc="http://schemas.openxmlformats.org/markup-compatibility/2006" xmlns:a14="http://schemas.microsoft.com/office/drawing/2007/7/7/main" val="7F7F7F" mc:Ignorable=""/>
+                  <a:srgbClr val="7F7F7F"/>
                 </a:solidFill>
                 <a:latin typeface="Calibri" pitchFamily="34" charset="0"/>
                 <a:ea typeface="굴림" charset="-127"/>
@@ -7545,7 +8582,7 @@
             </a:r>
             <a:endParaRPr lang="fr-FR" altLang="ko-KR" sz="900" dirty="0">
               <a:solidFill>
-                <a:srgbClr xmlns:mc="http://schemas.openxmlformats.org/markup-compatibility/2006" xmlns:a14="http://schemas.microsoft.com/office/drawing/2007/7/7/main" val="7F7F7F" mc:Ignorable=""/>
+                <a:srgbClr val="7F7F7F"/>
               </a:solidFill>
               <a:latin typeface="Calibri" pitchFamily="34" charset="0"/>
               <a:ea typeface="굴림" charset="-127"/>
@@ -7564,7 +8601,7 @@
   <p:timing>
     <p:tnLst>
       <p:par>
-        <p:cTn xmlns:p14="http://schemas.microsoft.com/office/powerpoint/2007/7/12/main" id="1" dur="indefinite" restart="never" nodeType="tmRoot"/>
+        <p:cTn id="1" dur="indefinite" restart="never" nodeType="tmRoot"/>
       </p:par>
     </p:tnLst>
   </p:timing>
@@ -7986,11 +9023,11 @@
             <a:r>
               <a:rPr altLang="ko-KR" dirty="0" smtClean="0">
                 <a:solidFill>
-                  <a:srgbClr xmlns:mc="http://schemas.openxmlformats.org/markup-compatibility/2006" xmlns:a14="http://schemas.microsoft.com/office/drawing/2007/7/7/main" val="C44F00" mc:Ignorable=""/>
+                  <a:srgbClr val="C44F00"/>
                 </a:solidFill>
                 <a:effectLst>
                   <a:outerShdw blurRad="38100" dist="38100" dir="2700000" algn="tl">
-                    <a:srgbClr xmlns:mc="http://schemas.openxmlformats.org/markup-compatibility/2006" xmlns:a14="http://schemas.microsoft.com/office/drawing/2007/7/7/main" val="C0C0C0" mc:Ignorable=""/>
+                    <a:srgbClr val="C0C0C0"/>
                   </a:outerShdw>
                 </a:effectLst>
                 <a:ea typeface="굴림" charset="-127"/>
@@ -8005,11 +9042,11 @@
             <a:r>
               <a:rPr altLang="ko-KR" dirty="0" smtClean="0">
                 <a:solidFill>
-                  <a:srgbClr xmlns:mc="http://schemas.openxmlformats.org/markup-compatibility/2006" xmlns:a14="http://schemas.microsoft.com/office/drawing/2007/7/7/main" val="595959" mc:Ignorable=""/>
+                  <a:srgbClr val="595959"/>
                 </a:solidFill>
                 <a:effectLst>
                   <a:outerShdw blurRad="38100" dist="38100" dir="2700000" algn="tl">
-                    <a:srgbClr xmlns:mc="http://schemas.openxmlformats.org/markup-compatibility/2006" xmlns:a14="http://schemas.microsoft.com/office/drawing/2007/7/7/main" val="C0C0C0" mc:Ignorable=""/>
+                    <a:srgbClr val="C0C0C0"/>
                   </a:outerShdw>
                 </a:effectLst>
                 <a:ea typeface="굴림" charset="-127"/>
@@ -8019,11 +9056,11 @@
             <a:r>
               <a:rPr altLang="ko-KR" dirty="0" err="1" smtClean="0">
                 <a:solidFill>
-                  <a:srgbClr xmlns:mc="http://schemas.openxmlformats.org/markup-compatibility/2006" xmlns:a14="http://schemas.microsoft.com/office/drawing/2007/7/7/main" val="595959" mc:Ignorable=""/>
+                  <a:srgbClr val="595959"/>
                 </a:solidFill>
                 <a:effectLst>
                   <a:outerShdw blurRad="38100" dist="38100" dir="2700000" algn="tl">
-                    <a:srgbClr xmlns:mc="http://schemas.openxmlformats.org/markup-compatibility/2006" xmlns:a14="http://schemas.microsoft.com/office/drawing/2007/7/7/main" val="C0C0C0" mc:Ignorable=""/>
+                    <a:srgbClr val="C0C0C0"/>
                   </a:outerShdw>
                 </a:effectLst>
                 <a:ea typeface="굴림" charset="-127"/>
@@ -8033,11 +9070,11 @@
             <a:r>
               <a:rPr altLang="ko-KR" dirty="0" smtClean="0">
                 <a:solidFill>
-                  <a:srgbClr xmlns:mc="http://schemas.openxmlformats.org/markup-compatibility/2006" xmlns:a14="http://schemas.microsoft.com/office/drawing/2007/7/7/main" val="595959" mc:Ignorable=""/>
+                  <a:srgbClr val="595959"/>
                 </a:solidFill>
                 <a:effectLst>
                   <a:outerShdw blurRad="38100" dist="38100" dir="2700000" algn="tl">
-                    <a:srgbClr xmlns:mc="http://schemas.openxmlformats.org/markup-compatibility/2006" xmlns:a14="http://schemas.microsoft.com/office/drawing/2007/7/7/main" val="C0C0C0" mc:Ignorable=""/>
+                    <a:srgbClr val="C0C0C0"/>
                   </a:outerShdw>
                 </a:effectLst>
                 <a:ea typeface="굴림" charset="-127"/>
@@ -8052,11 +9089,11 @@
             <a:r>
               <a:rPr altLang="ko-KR" dirty="0" smtClean="0">
                 <a:solidFill>
-                  <a:srgbClr xmlns:mc="http://schemas.openxmlformats.org/markup-compatibility/2006" xmlns:a14="http://schemas.microsoft.com/office/drawing/2007/7/7/main" val="595959" mc:Ignorable=""/>
+                  <a:srgbClr val="595959"/>
                 </a:solidFill>
                 <a:effectLst>
                   <a:outerShdw blurRad="38100" dist="38100" dir="2700000" algn="tl">
-                    <a:srgbClr xmlns:mc="http://schemas.openxmlformats.org/markup-compatibility/2006" xmlns:a14="http://schemas.microsoft.com/office/drawing/2007/7/7/main" val="C0C0C0" mc:Ignorable=""/>
+                    <a:srgbClr val="C0C0C0"/>
                   </a:outerShdw>
                 </a:effectLst>
                 <a:ea typeface="굴림" charset="-127"/>
@@ -8070,11 +9107,11 @@
             </a:pPr>
             <a:endParaRPr altLang="ko-KR" dirty="0" smtClean="0">
               <a:solidFill>
-                <a:srgbClr xmlns:mc="http://schemas.openxmlformats.org/markup-compatibility/2006" xmlns:a14="http://schemas.microsoft.com/office/drawing/2007/7/7/main" val="8F481E" mc:Ignorable=""/>
+                <a:srgbClr val="8F481E"/>
               </a:solidFill>
               <a:effectLst>
                 <a:outerShdw blurRad="38100" dist="38100" dir="2700000" algn="tl">
-                  <a:srgbClr xmlns:mc="http://schemas.openxmlformats.org/markup-compatibility/2006" xmlns:a14="http://schemas.microsoft.com/office/drawing/2007/7/7/main" val="C0C0C0" mc:Ignorable=""/>
+                  <a:srgbClr val="C0C0C0"/>
                 </a:outerShdw>
               </a:effectLst>
               <a:ea typeface="굴림" charset="-127"/>
@@ -8119,7 +9156,7 @@
                 </a:ln>
                 <a:effectLst>
                   <a:outerShdw blurRad="38100" dist="38100" dir="2700000" algn="tl">
-                    <a:srgbClr xmlns:mc="http://schemas.openxmlformats.org/markup-compatibility/2006" xmlns:a14="http://schemas.microsoft.com/office/drawing/2007/7/7/main" val="000000" mc:Ignorable="">
+                    <a:srgbClr val="000000">
                       <a:alpha val="43137"/>
                     </a:srgbClr>
                   </a:outerShdw>
@@ -8137,7 +9174,7 @@
                 </a:solidFill>
                 <a:effectLst>
                   <a:outerShdw blurRad="38100" dist="38100" dir="2700000" algn="tl">
-                    <a:srgbClr xmlns:mc="http://schemas.openxmlformats.org/markup-compatibility/2006" xmlns:a14="http://schemas.microsoft.com/office/drawing/2007/7/7/main" val="000000" mc:Ignorable="">
+                    <a:srgbClr val="000000">
                       <a:alpha val="43137"/>
                     </a:srgbClr>
                   </a:outerShdw>
@@ -8155,7 +9192,7 @@
                 </a:solidFill>
                 <a:effectLst>
                   <a:outerShdw blurRad="38100" dist="38100" dir="2700000" algn="tl">
-                    <a:srgbClr xmlns:mc="http://schemas.openxmlformats.org/markup-compatibility/2006" xmlns:a14="http://schemas.microsoft.com/office/drawing/2007/7/7/main" val="000000" mc:Ignorable="">
+                    <a:srgbClr val="000000">
                       <a:alpha val="43137"/>
                     </a:srgbClr>
                   </a:outerShdw>
@@ -8172,7 +9209,7 @@
                 </a:solidFill>
                 <a:effectLst>
                   <a:outerShdw blurRad="38100" dist="38100" dir="2700000" algn="tl">
-                    <a:srgbClr xmlns:mc="http://schemas.openxmlformats.org/markup-compatibility/2006" xmlns:a14="http://schemas.microsoft.com/office/drawing/2007/7/7/main" val="000000" mc:Ignorable="">
+                    <a:srgbClr val="000000">
                       <a:alpha val="43137"/>
                     </a:srgbClr>
                   </a:outerShdw>
@@ -8192,7 +9229,7 @@
                 </a:solidFill>
                 <a:effectLst>
                   <a:outerShdw blurRad="38100" dist="38100" dir="2700000" algn="tl">
-                    <a:srgbClr xmlns:mc="http://schemas.openxmlformats.org/markup-compatibility/2006" xmlns:a14="http://schemas.microsoft.com/office/drawing/2007/7/7/main" val="000000" mc:Ignorable="">
+                    <a:srgbClr val="000000">
                       <a:alpha val="43137"/>
                     </a:srgbClr>
                   </a:outerShdw>
@@ -8212,7 +9249,7 @@
                 </a:solidFill>
                 <a:effectLst>
                   <a:outerShdw blurRad="38100" dist="38100" dir="2700000" algn="tl">
-                    <a:srgbClr xmlns:mc="http://schemas.openxmlformats.org/markup-compatibility/2006" xmlns:a14="http://schemas.microsoft.com/office/drawing/2007/7/7/main" val="000000" mc:Ignorable="">
+                    <a:srgbClr val="000000">
                       <a:alpha val="43137"/>
                     </a:srgbClr>
                   </a:outerShdw>
@@ -8232,7 +9269,7 @@
                 </a:solidFill>
                 <a:effectLst>
                   <a:outerShdw blurRad="38100" dist="38100" dir="2700000" algn="tl">
-                    <a:srgbClr xmlns:mc="http://schemas.openxmlformats.org/markup-compatibility/2006" xmlns:a14="http://schemas.microsoft.com/office/drawing/2007/7/7/main" val="000000" mc:Ignorable="">
+                    <a:srgbClr val="000000">
                       <a:alpha val="43137"/>
                     </a:srgbClr>
                   </a:outerShdw>
@@ -8252,7 +9289,7 @@
                 </a:solidFill>
                 <a:effectLst>
                   <a:outerShdw blurRad="38100" dist="38100" dir="2700000" algn="tl">
-                    <a:srgbClr xmlns:mc="http://schemas.openxmlformats.org/markup-compatibility/2006" xmlns:a14="http://schemas.microsoft.com/office/drawing/2007/7/7/main" val="000000" mc:Ignorable="">
+                    <a:srgbClr val="000000">
                       <a:alpha val="43137"/>
                     </a:srgbClr>
                   </a:outerShdw>
@@ -8271,7 +9308,7 @@
               </a:solidFill>
               <a:effectLst>
                 <a:outerShdw blurRad="38100" dist="38100" dir="2700000" algn="tl">
-                  <a:srgbClr xmlns:mc="http://schemas.openxmlformats.org/markup-compatibility/2006" xmlns:a14="http://schemas.microsoft.com/office/drawing/2007/7/7/main" val="000000" mc:Ignorable="">
+                  <a:srgbClr val="000000">
                     <a:alpha val="43137"/>
                   </a:srgbClr>
                 </a:outerShdw>
@@ -8341,7 +9378,7 @@
             </a:avLst>
           </a:prstGeom>
           <a:solidFill>
-            <a:srgbClr xmlns:mc="http://schemas.openxmlformats.org/markup-compatibility/2006" xmlns:a14="http://schemas.microsoft.com/office/drawing/2007/7/7/main" val="FFFFFF" mc:Ignorable="">
+            <a:srgbClr val="FFFFFF">
               <a:shade val="85000"/>
             </a:srgbClr>
           </a:solidFill>
@@ -8379,7 +9416,7 @@
             </a:avLst>
           </a:prstGeom>
           <a:solidFill>
-            <a:srgbClr xmlns:mc="http://schemas.openxmlformats.org/markup-compatibility/2006" xmlns:a14="http://schemas.microsoft.com/office/drawing/2007/7/7/main" val="FFFFFF" mc:Ignorable="">
+            <a:srgbClr val="FFFFFF">
               <a:shade val="85000"/>
             </a:srgbClr>
           </a:solidFill>
@@ -8434,7 +9471,7 @@
               <a:rPr lang="fr-FR" sz="2400" b="1" dirty="0" smtClean="0">
                 <a:effectLst>
                   <a:outerShdw blurRad="38100" dist="38100" dir="2700000" algn="tl">
-                    <a:srgbClr xmlns:mc="http://schemas.openxmlformats.org/markup-compatibility/2006" xmlns:a14="http://schemas.microsoft.com/office/drawing/2007/7/7/main" val="000000" mc:Ignorable="">
+                    <a:srgbClr val="000000">
                       <a:alpha val="43137"/>
                     </a:srgbClr>
                   </a:outerShdw>
@@ -8461,7 +9498,7 @@
   <p:timing>
     <p:tnLst>
       <p:par>
-        <p:cTn xmlns:p14="http://schemas.microsoft.com/office/powerpoint/2007/7/12/main" id="1" dur="indefinite" restart="never" nodeType="tmRoot"/>
+        <p:cTn id="1" dur="indefinite" restart="never" nodeType="tmRoot"/>
       </p:par>
     </p:tnLst>
   </p:timing>
@@ -8987,7 +10024,7 @@
     </p:spTree>
     <p:extLst>
       <p:ext uri="{BB962C8B-B14F-4D97-AF65-F5344CB8AC3E}">
-        <p14:creationId xmlns:p14="http://schemas.microsoft.com/office/powerpoint/2007/7/12/main" val="3819616267"/>
+        <p14:creationId xmlns:p14="http://schemas.microsoft.com/office/powerpoint/2007/7/12/main" xmlns="" val="3819616267"/>
       </p:ext>
     </p:extLst>
   </p:cSld>
@@ -8997,7 +10034,7 @@
   <p:timing>
     <p:tnLst>
       <p:par>
-        <p:cTn xmlns:p14="http://schemas.microsoft.com/office/powerpoint/2007/7/12/main" id="1" dur="indefinite" restart="never" nodeType="tmRoot"/>
+        <p:cTn id="1" dur="indefinite" restart="never" nodeType="tmRoot"/>
       </p:par>
     </p:tnLst>
   </p:timing>
@@ -9678,7 +10715,7 @@
                 <a:spcPct val="0"/>
               </a:spcAft>
               <a:buClr>
-                <a:srgbClr xmlns:mc="http://schemas.openxmlformats.org/markup-compatibility/2006" xmlns:a14="http://schemas.microsoft.com/office/drawing/2007/7/7/main" val="DA7E18" mc:Ignorable=""/>
+                <a:srgbClr val="DA7E18"/>
               </a:buClr>
               <a:buSzPct val="70000"/>
               <a:buFont typeface="Wingdings" pitchFamily="2" charset="2"/>
@@ -9700,7 +10737,7 @@
                 <a:spcPct val="0"/>
               </a:spcAft>
               <a:buClr>
-                <a:srgbClr xmlns:mc="http://schemas.openxmlformats.org/markup-compatibility/2006" xmlns:a14="http://schemas.microsoft.com/office/drawing/2007/7/7/main" val="E5AB1B" mc:Ignorable=""/>
+                <a:srgbClr val="E5AB1B"/>
               </a:buClr>
               <a:buSzPct val="70000"/>
               <a:buFont typeface="Wingdings" pitchFamily="2" charset="2"/>
@@ -10167,7 +11204,7 @@
                 <a:spcPct val="0"/>
               </a:spcAft>
               <a:buClr>
-                <a:srgbClr xmlns:mc="http://schemas.openxmlformats.org/markup-compatibility/2006" xmlns:a14="http://schemas.microsoft.com/office/drawing/2007/7/7/main" val="DA7E18" mc:Ignorable=""/>
+                <a:srgbClr val="DA7E18"/>
               </a:buClr>
               <a:buSzPct val="70000"/>
               <a:buFont typeface="Wingdings" pitchFamily="2" charset="2"/>
@@ -10189,7 +11226,7 @@
                 <a:spcPct val="0"/>
               </a:spcAft>
               <a:buClr>
-                <a:srgbClr xmlns:mc="http://schemas.openxmlformats.org/markup-compatibility/2006" xmlns:a14="http://schemas.microsoft.com/office/drawing/2007/7/7/main" val="E5AB1B" mc:Ignorable=""/>
+                <a:srgbClr val="E5AB1B"/>
               </a:buClr>
               <a:buSzPct val="70000"/>
               <a:buFont typeface="Wingdings" pitchFamily="2" charset="2"/>
@@ -10369,7 +11406,7 @@
                 <a:spcPct val="0"/>
               </a:spcAft>
               <a:buClr>
-                <a:srgbClr xmlns:mc="http://schemas.openxmlformats.org/markup-compatibility/2006" xmlns:a14="http://schemas.microsoft.com/office/drawing/2007/7/7/main" val="DA7E18" mc:Ignorable=""/>
+                <a:srgbClr val="DA7E18"/>
               </a:buClr>
               <a:buSzPct val="70000"/>
               <a:buFont typeface="Wingdings" pitchFamily="2" charset="2"/>
@@ -10391,7 +11428,7 @@
                 <a:spcPct val="0"/>
               </a:spcAft>
               <a:buClr>
-                <a:srgbClr xmlns:mc="http://schemas.openxmlformats.org/markup-compatibility/2006" xmlns:a14="http://schemas.microsoft.com/office/drawing/2007/7/7/main" val="E5AB1B" mc:Ignorable=""/>
+                <a:srgbClr val="E5AB1B"/>
               </a:buClr>
               <a:buSzPct val="70000"/>
               <a:buFont typeface="Wingdings" pitchFamily="2" charset="2"/>
@@ -10748,7 +11785,7 @@
                 </a:solidFill>
                 <a:effectLst>
                   <a:outerShdw blurRad="38100" dist="38100" dir="2700000" algn="tl">
-                    <a:srgbClr xmlns:mc="http://schemas.openxmlformats.org/markup-compatibility/2006" xmlns:a14="http://schemas.microsoft.com/office/drawing/2007/7/7/main" val="000000" mc:Ignorable="">
+                    <a:srgbClr val="000000">
                       <a:alpha val="43137"/>
                     </a:srgbClr>
                   </a:outerShdw>
@@ -11036,7 +12073,7 @@
     </p:spTree>
     <p:extLst>
       <p:ext uri="{BB962C8B-B14F-4D97-AF65-F5344CB8AC3E}">
-        <p14:creationId xmlns:p14="http://schemas.microsoft.com/office/powerpoint/2007/7/12/main" val="2066140013"/>
+        <p14:creationId xmlns:p14="http://schemas.microsoft.com/office/powerpoint/2007/7/12/main" xmlns="" val="2066140013"/>
       </p:ext>
     </p:extLst>
   </p:cSld>
@@ -11046,7 +12083,7 @@
   <p:timing>
     <p:tnLst>
       <p:par>
-        <p:cTn xmlns:p14="http://schemas.microsoft.com/office/powerpoint/2007/7/12/main" id="1" dur="indefinite" restart="never" nodeType="tmRoot"/>
+        <p:cTn id="1" dur="indefinite" restart="never" nodeType="tmRoot"/>
       </p:par>
     </p:tnLst>
   </p:timing>
@@ -11388,7 +12425,7 @@
     </p:spTree>
     <p:extLst>
       <p:ext uri="{BB962C8B-B14F-4D97-AF65-F5344CB8AC3E}">
-        <p14:creationId xmlns:p14="http://schemas.microsoft.com/office/powerpoint/2007/7/12/main" val="770100015"/>
+        <p14:creationId xmlns:p14="http://schemas.microsoft.com/office/powerpoint/2007/7/12/main" xmlns="" val="770100015"/>
       </p:ext>
     </p:extLst>
   </p:cSld>
@@ -11398,7 +12435,7 @@
   <p:timing>
     <p:tnLst>
       <p:par>
-        <p:cTn xmlns:p14="http://schemas.microsoft.com/office/powerpoint/2007/7/12/main" id="1" dur="indefinite" restart="never" nodeType="tmRoot"/>
+        <p:cTn id="1" dur="indefinite" restart="never" nodeType="tmRoot"/>
       </p:par>
     </p:tnLst>
   </p:timing>
@@ -12001,7 +13038,7 @@
                 <a:spcPct val="0"/>
               </a:spcAft>
               <a:buClr>
-                <a:srgbClr xmlns:mc="http://schemas.openxmlformats.org/markup-compatibility/2006" xmlns:a14="http://schemas.microsoft.com/office/drawing/2007/7/7/main" val="DA7E18" mc:Ignorable=""/>
+                <a:srgbClr val="DA7E18"/>
               </a:buClr>
               <a:buSzPct val="70000"/>
               <a:buFont typeface="Wingdings" pitchFamily="2" charset="2"/>
@@ -12023,7 +13060,7 @@
                 <a:spcPct val="0"/>
               </a:spcAft>
               <a:buClr>
-                <a:srgbClr xmlns:mc="http://schemas.openxmlformats.org/markup-compatibility/2006" xmlns:a14="http://schemas.microsoft.com/office/drawing/2007/7/7/main" val="E5AB1B" mc:Ignorable=""/>
+                <a:srgbClr val="E5AB1B"/>
               </a:buClr>
               <a:buSzPct val="70000"/>
               <a:buFont typeface="Wingdings" pitchFamily="2" charset="2"/>
@@ -12469,7 +13506,7 @@
                 <a:spcPct val="0"/>
               </a:spcAft>
               <a:buClr>
-                <a:srgbClr xmlns:mc="http://schemas.openxmlformats.org/markup-compatibility/2006" xmlns:a14="http://schemas.microsoft.com/office/drawing/2007/7/7/main" val="DA7E18" mc:Ignorable=""/>
+                <a:srgbClr val="DA7E18"/>
               </a:buClr>
               <a:buSzPct val="70000"/>
               <a:buFont typeface="Wingdings" pitchFamily="2" charset="2"/>
@@ -12491,7 +13528,7 @@
                 <a:spcPct val="0"/>
               </a:spcAft>
               <a:buClr>
-                <a:srgbClr xmlns:mc="http://schemas.openxmlformats.org/markup-compatibility/2006" xmlns:a14="http://schemas.microsoft.com/office/drawing/2007/7/7/main" val="E5AB1B" mc:Ignorable=""/>
+                <a:srgbClr val="E5AB1B"/>
               </a:buClr>
               <a:buSzPct val="70000"/>
               <a:buFont typeface="Wingdings" pitchFamily="2" charset="2"/>
@@ -12671,7 +13708,7 @@
                 <a:spcPct val="0"/>
               </a:spcAft>
               <a:buClr>
-                <a:srgbClr xmlns:mc="http://schemas.openxmlformats.org/markup-compatibility/2006" xmlns:a14="http://schemas.microsoft.com/office/drawing/2007/7/7/main" val="DA7E18" mc:Ignorable=""/>
+                <a:srgbClr val="DA7E18"/>
               </a:buClr>
               <a:buSzPct val="70000"/>
               <a:buFont typeface="Wingdings" pitchFamily="2" charset="2"/>
@@ -12693,7 +13730,7 @@
                 <a:spcPct val="0"/>
               </a:spcAft>
               <a:buClr>
-                <a:srgbClr xmlns:mc="http://schemas.openxmlformats.org/markup-compatibility/2006" xmlns:a14="http://schemas.microsoft.com/office/drawing/2007/7/7/main" val="E5AB1B" mc:Ignorable=""/>
+                <a:srgbClr val="E5AB1B"/>
               </a:buClr>
               <a:buSzPct val="70000"/>
               <a:buFont typeface="Wingdings" pitchFamily="2" charset="2"/>
@@ -13008,7 +14045,7 @@
                 </a:solidFill>
                 <a:effectLst>
                   <a:outerShdw blurRad="38100" dist="38100" dir="2700000" algn="tl">
-                    <a:srgbClr xmlns:mc="http://schemas.openxmlformats.org/markup-compatibility/2006" xmlns:a14="http://schemas.microsoft.com/office/drawing/2007/7/7/main" val="000000" mc:Ignorable="">
+                    <a:srgbClr val="000000">
                       <a:alpha val="43137"/>
                     </a:srgbClr>
                   </a:outerShdw>
@@ -13296,7 +14333,7 @@
     </p:spTree>
     <p:extLst>
       <p:ext uri="{BB962C8B-B14F-4D97-AF65-F5344CB8AC3E}">
-        <p14:creationId xmlns:p14="http://schemas.microsoft.com/office/powerpoint/2007/7/12/main" val="2650912379"/>
+        <p14:creationId xmlns:p14="http://schemas.microsoft.com/office/powerpoint/2007/7/12/main" xmlns="" val="2650912379"/>
       </p:ext>
     </p:extLst>
   </p:cSld>
@@ -13306,7 +14343,7 @@
   <p:timing>
     <p:tnLst>
       <p:par>
-        <p:cTn xmlns:p14="http://schemas.microsoft.com/office/powerpoint/2007/7/12/main" id="1" dur="indefinite" restart="never" nodeType="tmRoot"/>
+        <p:cTn id="1" dur="indefinite" restart="never" nodeType="tmRoot"/>
       </p:par>
     </p:tnLst>
   </p:timing>
@@ -13707,7 +14744,7 @@
     </p:spTree>
     <p:extLst>
       <p:ext uri="{BB962C8B-B14F-4D97-AF65-F5344CB8AC3E}">
-        <p14:creationId xmlns:p14="http://schemas.microsoft.com/office/powerpoint/2007/7/12/main" val="2065662239"/>
+        <p14:creationId xmlns:p14="http://schemas.microsoft.com/office/powerpoint/2007/7/12/main" xmlns="" val="2065662239"/>
       </p:ext>
     </p:extLst>
   </p:cSld>
@@ -13717,7 +14754,7 @@
   <p:timing>
     <p:tnLst>
       <p:par>
-        <p:cTn xmlns:p14="http://schemas.microsoft.com/office/powerpoint/2007/7/12/main" id="1" dur="indefinite" restart="never" nodeType="tmRoot"/>
+        <p:cTn id="1" dur="indefinite" restart="never" nodeType="tmRoot"/>
       </p:par>
     </p:tnLst>
   </p:timing>
@@ -14348,7 +15385,7 @@
                 <a:spcPct val="0"/>
               </a:spcAft>
               <a:buClr>
-                <a:srgbClr xmlns:mc="http://schemas.openxmlformats.org/markup-compatibility/2006" xmlns:a14="http://schemas.microsoft.com/office/drawing/2007/7/7/main" val="DA7E18" mc:Ignorable=""/>
+                <a:srgbClr val="DA7E18"/>
               </a:buClr>
               <a:buSzPct val="70000"/>
               <a:buFont typeface="Wingdings" pitchFamily="2" charset="2"/>
@@ -14370,7 +15407,7 @@
                 <a:spcPct val="0"/>
               </a:spcAft>
               <a:buClr>
-                <a:srgbClr xmlns:mc="http://schemas.openxmlformats.org/markup-compatibility/2006" xmlns:a14="http://schemas.microsoft.com/office/drawing/2007/7/7/main" val="E5AB1B" mc:Ignorable=""/>
+                <a:srgbClr val="E5AB1B"/>
               </a:buClr>
               <a:buSzPct val="70000"/>
               <a:buFont typeface="Wingdings" pitchFamily="2" charset="2"/>
@@ -14860,7 +15897,7 @@
                 <a:spcPct val="0"/>
               </a:spcAft>
               <a:buClr>
-                <a:srgbClr xmlns:mc="http://schemas.openxmlformats.org/markup-compatibility/2006" xmlns:a14="http://schemas.microsoft.com/office/drawing/2007/7/7/main" val="DA7E18" mc:Ignorable=""/>
+                <a:srgbClr val="DA7E18"/>
               </a:buClr>
               <a:buSzPct val="70000"/>
               <a:buFont typeface="Wingdings" pitchFamily="2" charset="2"/>
@@ -14882,7 +15919,7 @@
                 <a:spcPct val="0"/>
               </a:spcAft>
               <a:buClr>
-                <a:srgbClr xmlns:mc="http://schemas.openxmlformats.org/markup-compatibility/2006" xmlns:a14="http://schemas.microsoft.com/office/drawing/2007/7/7/main" val="E5AB1B" mc:Ignorable=""/>
+                <a:srgbClr val="E5AB1B"/>
               </a:buClr>
               <a:buSzPct val="70000"/>
               <a:buFont typeface="Wingdings" pitchFamily="2" charset="2"/>
@@ -15058,7 +16095,7 @@
                 <a:spcPct val="0"/>
               </a:spcAft>
               <a:buClr>
-                <a:srgbClr xmlns:mc="http://schemas.openxmlformats.org/markup-compatibility/2006" xmlns:a14="http://schemas.microsoft.com/office/drawing/2007/7/7/main" val="DA7E18" mc:Ignorable=""/>
+                <a:srgbClr val="DA7E18"/>
               </a:buClr>
               <a:buSzPct val="70000"/>
               <a:buFont typeface="Wingdings" pitchFamily="2" charset="2"/>
@@ -15080,7 +16117,7 @@
                 <a:spcPct val="0"/>
               </a:spcAft>
               <a:buClr>
-                <a:srgbClr xmlns:mc="http://schemas.openxmlformats.org/markup-compatibility/2006" xmlns:a14="http://schemas.microsoft.com/office/drawing/2007/7/7/main" val="E5AB1B" mc:Ignorable=""/>
+                <a:srgbClr val="E5AB1B"/>
               </a:buClr>
               <a:buSzPct val="70000"/>
               <a:buFont typeface="Wingdings" pitchFamily="2" charset="2"/>
@@ -15347,7 +16384,7 @@
                 </a:solidFill>
                 <a:effectLst>
                   <a:outerShdw blurRad="38100" dist="38100" dir="2700000" algn="tl">
-                    <a:srgbClr xmlns:mc="http://schemas.openxmlformats.org/markup-compatibility/2006" xmlns:a14="http://schemas.microsoft.com/office/drawing/2007/7/7/main" val="000000" mc:Ignorable="">
+                    <a:srgbClr val="000000">
                       <a:alpha val="43137"/>
                     </a:srgbClr>
                   </a:outerShdw>
@@ -15364,7 +16401,7 @@
                 </a:solidFill>
                 <a:effectLst>
                   <a:outerShdw blurRad="38100" dist="38100" dir="2700000" algn="tl">
-                    <a:srgbClr xmlns:mc="http://schemas.openxmlformats.org/markup-compatibility/2006" xmlns:a14="http://schemas.microsoft.com/office/drawing/2007/7/7/main" val="000000" mc:Ignorable="">
+                    <a:srgbClr val="000000">
                       <a:alpha val="43137"/>
                     </a:srgbClr>
                   </a:outerShdw>
@@ -15381,7 +16418,7 @@
                 </a:solidFill>
                 <a:effectLst>
                   <a:outerShdw blurRad="38100" dist="38100" dir="2700000" algn="tl">
-                    <a:srgbClr xmlns:mc="http://schemas.openxmlformats.org/markup-compatibility/2006" xmlns:a14="http://schemas.microsoft.com/office/drawing/2007/7/7/main" val="000000" mc:Ignorable="">
+                    <a:srgbClr val="000000">
                       <a:alpha val="43137"/>
                     </a:srgbClr>
                   </a:outerShdw>
@@ -15398,7 +16435,7 @@
                 </a:solidFill>
                 <a:effectLst>
                   <a:outerShdw blurRad="38100" dist="38100" dir="2700000" algn="tl">
-                    <a:srgbClr xmlns:mc="http://schemas.openxmlformats.org/markup-compatibility/2006" xmlns:a14="http://schemas.microsoft.com/office/drawing/2007/7/7/main" val="000000" mc:Ignorable="">
+                    <a:srgbClr val="000000">
                       <a:alpha val="43137"/>
                     </a:srgbClr>
                   </a:outerShdw>
@@ -15773,7 +16810,7 @@
     </p:spTree>
     <p:extLst>
       <p:ext uri="{BB962C8B-B14F-4D97-AF65-F5344CB8AC3E}">
-        <p14:creationId xmlns:p14="http://schemas.microsoft.com/office/powerpoint/2007/7/12/main" val="4275258493"/>
+        <p14:creationId xmlns:p14="http://schemas.microsoft.com/office/powerpoint/2007/7/12/main" xmlns="" val="4275258493"/>
       </p:ext>
     </p:extLst>
   </p:cSld>
@@ -15783,7 +16820,7 @@
   <p:timing>
     <p:tnLst>
       <p:par>
-        <p:cTn xmlns:p14="http://schemas.microsoft.com/office/powerpoint/2007/7/12/main" id="1" dur="indefinite" restart="never" nodeType="tmRoot"/>
+        <p:cTn id="1" dur="indefinite" restart="never" nodeType="tmRoot"/>
       </p:par>
     </p:tnLst>
   </p:timing>
@@ -16232,7 +17269,7 @@
     </p:spTree>
     <p:extLst>
       <p:ext uri="{BB962C8B-B14F-4D97-AF65-F5344CB8AC3E}">
-        <p14:creationId xmlns:p14="http://schemas.microsoft.com/office/powerpoint/2007/7/12/main" val="883924539"/>
+        <p14:creationId xmlns:p14="http://schemas.microsoft.com/office/powerpoint/2007/7/12/main" xmlns="" val="883924539"/>
       </p:ext>
     </p:extLst>
   </p:cSld>
@@ -16242,7 +17279,7 @@
   <p:timing>
     <p:tnLst>
       <p:par>
-        <p:cTn xmlns:p14="http://schemas.microsoft.com/office/powerpoint/2007/7/12/main" id="1" dur="indefinite" restart="never" nodeType="tmRoot"/>
+        <p:cTn id="1" dur="indefinite" restart="never" nodeType="tmRoot"/>
       </p:par>
     </p:tnLst>
   </p:timing>
@@ -16912,7 +17949,7 @@
                 <a:spcPct val="0"/>
               </a:spcAft>
               <a:buClr>
-                <a:srgbClr xmlns:mc="http://schemas.openxmlformats.org/markup-compatibility/2006" xmlns:a14="http://schemas.microsoft.com/office/drawing/2007/7/7/main" val="DA7E18" mc:Ignorable=""/>
+                <a:srgbClr val="DA7E18"/>
               </a:buClr>
               <a:buSzPct val="70000"/>
               <a:buFont typeface="Wingdings" pitchFamily="2" charset="2"/>
@@ -16934,7 +17971,7 @@
                 <a:spcPct val="0"/>
               </a:spcAft>
               <a:buClr>
-                <a:srgbClr xmlns:mc="http://schemas.openxmlformats.org/markup-compatibility/2006" xmlns:a14="http://schemas.microsoft.com/office/drawing/2007/7/7/main" val="E5AB1B" mc:Ignorable=""/>
+                <a:srgbClr val="E5AB1B"/>
               </a:buClr>
               <a:buSzPct val="70000"/>
               <a:buFont typeface="Wingdings" pitchFamily="2" charset="2"/>
@@ -17428,7 +18465,7 @@
                 <a:spcPct val="0"/>
               </a:spcAft>
               <a:buClr>
-                <a:srgbClr xmlns:mc="http://schemas.openxmlformats.org/markup-compatibility/2006" xmlns:a14="http://schemas.microsoft.com/office/drawing/2007/7/7/main" val="DA7E18" mc:Ignorable=""/>
+                <a:srgbClr val="DA7E18"/>
               </a:buClr>
               <a:buSzPct val="70000"/>
               <a:buFont typeface="Wingdings" pitchFamily="2" charset="2"/>
@@ -17450,7 +18487,7 @@
                 <a:spcPct val="0"/>
               </a:spcAft>
               <a:buClr>
-                <a:srgbClr xmlns:mc="http://schemas.openxmlformats.org/markup-compatibility/2006" xmlns:a14="http://schemas.microsoft.com/office/drawing/2007/7/7/main" val="E5AB1B" mc:Ignorable=""/>
+                <a:srgbClr val="E5AB1B"/>
               </a:buClr>
               <a:buSzPct val="70000"/>
               <a:buFont typeface="Wingdings" pitchFamily="2" charset="2"/>
@@ -17630,7 +18667,7 @@
                 <a:spcPct val="0"/>
               </a:spcAft>
               <a:buClr>
-                <a:srgbClr xmlns:mc="http://schemas.openxmlformats.org/markup-compatibility/2006" xmlns:a14="http://schemas.microsoft.com/office/drawing/2007/7/7/main" val="DA7E18" mc:Ignorable=""/>
+                <a:srgbClr val="DA7E18"/>
               </a:buClr>
               <a:buSzPct val="70000"/>
               <a:buFont typeface="Wingdings" pitchFamily="2" charset="2"/>
@@ -17652,7 +18689,7 @@
                 <a:spcPct val="0"/>
               </a:spcAft>
               <a:buClr>
-                <a:srgbClr xmlns:mc="http://schemas.openxmlformats.org/markup-compatibility/2006" xmlns:a14="http://schemas.microsoft.com/office/drawing/2007/7/7/main" val="E5AB1B" mc:Ignorable=""/>
+                <a:srgbClr val="E5AB1B"/>
               </a:buClr>
               <a:buSzPct val="70000"/>
               <a:buFont typeface="Wingdings" pitchFamily="2" charset="2"/>
@@ -18016,7 +19053,7 @@
                 </a:solidFill>
                 <a:effectLst>
                   <a:outerShdw blurRad="38100" dist="38100" dir="2700000" algn="tl">
-                    <a:srgbClr xmlns:mc="http://schemas.openxmlformats.org/markup-compatibility/2006" xmlns:a14="http://schemas.microsoft.com/office/drawing/2007/7/7/main" val="000000" mc:Ignorable="">
+                    <a:srgbClr val="000000">
                       <a:alpha val="43137"/>
                     </a:srgbClr>
                   </a:outerShdw>
@@ -18297,7 +19334,7 @@
     </p:spTree>
     <p:extLst>
       <p:ext uri="{BB962C8B-B14F-4D97-AF65-F5344CB8AC3E}">
-        <p14:creationId xmlns:p14="http://schemas.microsoft.com/office/powerpoint/2007/7/12/main" val="2448966025"/>
+        <p14:creationId xmlns:p14="http://schemas.microsoft.com/office/powerpoint/2007/7/12/main" xmlns="" val="2448966025"/>
       </p:ext>
     </p:extLst>
   </p:cSld>
@@ -18307,7 +19344,7 @@
   <p:timing>
     <p:tnLst>
       <p:par>
-        <p:cTn xmlns:p14="http://schemas.microsoft.com/office/powerpoint/2007/7/12/main" id="1" dur="indefinite" restart="never" nodeType="tmRoot"/>
+        <p:cTn id="1" dur="indefinite" restart="never" nodeType="tmRoot"/>
       </p:par>
     </p:tnLst>
   </p:timing>
@@ -18845,7 +19882,7 @@
     </p:spTree>
     <p:extLst>
       <p:ext uri="{BB962C8B-B14F-4D97-AF65-F5344CB8AC3E}">
-        <p14:creationId xmlns:p14="http://schemas.microsoft.com/office/powerpoint/2007/7/12/main" val="1198493022"/>
+        <p14:creationId xmlns:p14="http://schemas.microsoft.com/office/powerpoint/2007/7/12/main" xmlns="" val="1198493022"/>
       </p:ext>
     </p:extLst>
   </p:cSld>
@@ -18855,7 +19892,7 @@
   <p:timing>
     <p:tnLst>
       <p:par>
-        <p:cTn xmlns:p14="http://schemas.microsoft.com/office/powerpoint/2007/7/12/main" id="1" dur="indefinite" restart="never" nodeType="tmRoot"/>
+        <p:cTn id="1" dur="indefinite" restart="never" nodeType="tmRoot"/>
       </p:par>
     </p:tnLst>
   </p:timing>
@@ -19536,7 +20573,7 @@
                 <a:spcPct val="0"/>
               </a:spcAft>
               <a:buClr>
-                <a:srgbClr xmlns:mc="http://schemas.openxmlformats.org/markup-compatibility/2006" xmlns:a14="http://schemas.microsoft.com/office/drawing/2007/7/7/main" val="DA7E18" mc:Ignorable=""/>
+                <a:srgbClr val="DA7E18"/>
               </a:buClr>
               <a:buSzPct val="70000"/>
               <a:buFont typeface="Wingdings" pitchFamily="2" charset="2"/>
@@ -19558,7 +20595,7 @@
                 <a:spcPct val="0"/>
               </a:spcAft>
               <a:buClr>
-                <a:srgbClr xmlns:mc="http://schemas.openxmlformats.org/markup-compatibility/2006" xmlns:a14="http://schemas.microsoft.com/office/drawing/2007/7/7/main" val="E5AB1B" mc:Ignorable=""/>
+                <a:srgbClr val="E5AB1B"/>
               </a:buClr>
               <a:buSzPct val="70000"/>
               <a:buFont typeface="Wingdings" pitchFamily="2" charset="2"/>
@@ -20038,7 +21075,7 @@
                 <a:spcPct val="0"/>
               </a:spcAft>
               <a:buClr>
-                <a:srgbClr xmlns:mc="http://schemas.openxmlformats.org/markup-compatibility/2006" xmlns:a14="http://schemas.microsoft.com/office/drawing/2007/7/7/main" val="DA7E18" mc:Ignorable=""/>
+                <a:srgbClr val="DA7E18"/>
               </a:buClr>
               <a:buSzPct val="70000"/>
               <a:buFont typeface="Wingdings" pitchFamily="2" charset="2"/>
@@ -20060,7 +21097,7 @@
                 <a:spcPct val="0"/>
               </a:spcAft>
               <a:buClr>
-                <a:srgbClr xmlns:mc="http://schemas.openxmlformats.org/markup-compatibility/2006" xmlns:a14="http://schemas.microsoft.com/office/drawing/2007/7/7/main" val="E5AB1B" mc:Ignorable=""/>
+                <a:srgbClr val="E5AB1B"/>
               </a:buClr>
               <a:buSzPct val="70000"/>
               <a:buFont typeface="Wingdings" pitchFamily="2" charset="2"/>
@@ -20240,7 +21277,7 @@
                 <a:spcPct val="0"/>
               </a:spcAft>
               <a:buClr>
-                <a:srgbClr xmlns:mc="http://schemas.openxmlformats.org/markup-compatibility/2006" xmlns:a14="http://schemas.microsoft.com/office/drawing/2007/7/7/main" val="DA7E18" mc:Ignorable=""/>
+                <a:srgbClr val="DA7E18"/>
               </a:buClr>
               <a:buSzPct val="70000"/>
               <a:buFont typeface="Wingdings" pitchFamily="2" charset="2"/>
@@ -20262,7 +21299,7 @@
                 <a:spcPct val="0"/>
               </a:spcAft>
               <a:buClr>
-                <a:srgbClr xmlns:mc="http://schemas.openxmlformats.org/markup-compatibility/2006" xmlns:a14="http://schemas.microsoft.com/office/drawing/2007/7/7/main" val="E5AB1B" mc:Ignorable=""/>
+                <a:srgbClr val="E5AB1B"/>
               </a:buClr>
               <a:buSzPct val="70000"/>
               <a:buFont typeface="Wingdings" pitchFamily="2" charset="2"/>
@@ -20626,7 +21663,7 @@
                 </a:solidFill>
                 <a:effectLst>
                   <a:outerShdw blurRad="38100" dist="38100" dir="2700000" algn="tl">
-                    <a:srgbClr xmlns:mc="http://schemas.openxmlformats.org/markup-compatibility/2006" xmlns:a14="http://schemas.microsoft.com/office/drawing/2007/7/7/main" val="000000" mc:Ignorable="">
+                    <a:srgbClr val="000000">
                       <a:alpha val="43137"/>
                     </a:srgbClr>
                   </a:outerShdw>
@@ -20907,7 +21944,7 @@
     </p:spTree>
     <p:extLst>
       <p:ext uri="{BB962C8B-B14F-4D97-AF65-F5344CB8AC3E}">
-        <p14:creationId xmlns:p14="http://schemas.microsoft.com/office/powerpoint/2007/7/12/main" val="1842062517"/>
+        <p14:creationId xmlns:p14="http://schemas.microsoft.com/office/powerpoint/2007/7/12/main" xmlns="" val="1842062517"/>
       </p:ext>
     </p:extLst>
   </p:cSld>
@@ -20917,7 +21954,7 @@
   <p:timing>
     <p:tnLst>
       <p:par>
-        <p:cTn xmlns:p14="http://schemas.microsoft.com/office/powerpoint/2007/7/12/main" id="1" dur="indefinite" restart="never" nodeType="tmRoot"/>
+        <p:cTn id="1" dur="indefinite" restart="never" nodeType="tmRoot"/>
       </p:par>
     </p:tnLst>
   </p:timing>
@@ -21142,7 +22179,7 @@
   <p:timing>
     <p:tnLst>
       <p:par>
-        <p:cTn xmlns:p14="http://schemas.microsoft.com/office/powerpoint/2007/7/12/main" id="1" dur="indefinite" restart="never" nodeType="tmRoot"/>
+        <p:cTn id="1" dur="indefinite" restart="never" nodeType="tmRoot"/>
       </p:par>
     </p:tnLst>
   </p:timing>
@@ -21380,13 +22417,13 @@
           <p:nvPr>
             <p:extLst>
               <p:ext uri="{D42A27DB-BD31-4B8C-83A1-F6EECF244321}">
-                <p14:modId xmlns:p14="http://schemas.microsoft.com/office/powerpoint/2007/7/12/main" val="1184675271"/>
+                <p14:modId xmlns:p14="http://schemas.microsoft.com/office/powerpoint/2007/7/12/main" xmlns="" val="1184675271"/>
               </p:ext>
             </p:extLst>
           </p:nvPr>
         </p:nvGraphicFramePr>
         <p:xfrm>
-          <a:off x="1524000" y="1397000"/>
+          <a:off x="1285852" y="1397000"/>
           <a:ext cx="6096000" cy="4064000"/>
         </p:xfrm>
         <a:graphic>
@@ -21398,7 +22435,7 @@
     </p:spTree>
     <p:extLst>
       <p:ext uri="{BB962C8B-B14F-4D97-AF65-F5344CB8AC3E}">
-        <p14:creationId xmlns:p14="http://schemas.microsoft.com/office/powerpoint/2007/7/12/main" val="454031538"/>
+        <p14:creationId xmlns:p14="http://schemas.microsoft.com/office/powerpoint/2007/7/12/main" xmlns="" val="454031538"/>
       </p:ext>
     </p:extLst>
   </p:cSld>
@@ -21408,7 +22445,7 @@
   <p:timing>
     <p:tnLst>
       <p:par>
-        <p:cTn xmlns:p14="http://schemas.microsoft.com/office/powerpoint/2007/7/12/main" id="1" dur="indefinite" restart="never" nodeType="tmRoot"/>
+        <p:cTn id="1" dur="indefinite" restart="never" nodeType="tmRoot"/>
       </p:par>
     </p:tnLst>
   </p:timing>
@@ -21470,14 +22507,14 @@
           <p:nvPr>
             <p:extLst>
               <p:ext uri="{D42A27DB-BD31-4B8C-83A1-F6EECF244321}">
-                <p14:modId xmlns:p14="http://schemas.microsoft.com/office/powerpoint/2007/7/12/main" val="4107173624"/>
+                <p14:modId xmlns:p14="http://schemas.microsoft.com/office/powerpoint/2007/7/12/main" xmlns="" val="4107173624"/>
               </p:ext>
             </p:extLst>
           </p:nvPr>
         </p:nvGraphicFramePr>
         <p:xfrm>
-          <a:off x="1524000" y="1397000"/>
-          <a:ext cx="6096000" cy="4064000"/>
+          <a:off x="1059653" y="1397000"/>
+          <a:ext cx="7227123" cy="4818082"/>
         </p:xfrm>
         <a:graphic>
           <a:graphicData uri="http://schemas.openxmlformats.org/drawingml/2006/diagram">
@@ -21488,7 +22525,7 @@
     </p:spTree>
     <p:extLst>
       <p:ext uri="{BB962C8B-B14F-4D97-AF65-F5344CB8AC3E}">
-        <p14:creationId xmlns:p14="http://schemas.microsoft.com/office/powerpoint/2007/7/12/main" val="4039325657"/>
+        <p14:creationId xmlns:p14="http://schemas.microsoft.com/office/powerpoint/2007/7/12/main" xmlns="" val="4039325657"/>
       </p:ext>
     </p:extLst>
   </p:cSld>
@@ -21498,7 +22535,7 @@
   <p:timing>
     <p:tnLst>
       <p:par>
-        <p:cTn xmlns:p14="http://schemas.microsoft.com/office/powerpoint/2007/7/12/main" id="1" dur="indefinite" restart="never" nodeType="tmRoot"/>
+        <p:cTn id="1" dur="indefinite" restart="never" nodeType="tmRoot"/>
       </p:par>
     </p:tnLst>
   </p:timing>
@@ -21552,11 +22589,11 @@
             <a:r>
               <a:rPr altLang="ko-KR" smtClean="0">
                 <a:solidFill>
-                  <a:srgbClr xmlns:mc="http://schemas.openxmlformats.org/markup-compatibility/2006" xmlns:a14="http://schemas.microsoft.com/office/drawing/2007/7/7/main" val="C44F00" mc:Ignorable=""/>
+                  <a:srgbClr val="C44F00"/>
                 </a:solidFill>
                 <a:effectLst>
                   <a:outerShdw blurRad="38100" dist="38100" dir="2700000" algn="tl">
-                    <a:srgbClr xmlns:mc="http://schemas.openxmlformats.org/markup-compatibility/2006" xmlns:a14="http://schemas.microsoft.com/office/drawing/2007/7/7/main" val="C0C0C0" mc:Ignorable=""/>
+                    <a:srgbClr val="C0C0C0"/>
                   </a:outerShdw>
                 </a:effectLst>
                 <a:ea typeface="굴림" charset="-127"/>
@@ -21571,11 +22608,11 @@
             <a:r>
               <a:rPr altLang="ko-KR" smtClean="0">
                 <a:solidFill>
-                  <a:srgbClr xmlns:mc="http://schemas.openxmlformats.org/markup-compatibility/2006" xmlns:a14="http://schemas.microsoft.com/office/drawing/2007/7/7/main" val="595959" mc:Ignorable=""/>
+                  <a:srgbClr val="595959"/>
                 </a:solidFill>
                 <a:effectLst>
                   <a:outerShdw blurRad="38100" dist="38100" dir="2700000" algn="tl">
-                    <a:srgbClr xmlns:mc="http://schemas.openxmlformats.org/markup-compatibility/2006" xmlns:a14="http://schemas.microsoft.com/office/drawing/2007/7/7/main" val="C0C0C0" mc:Ignorable=""/>
+                    <a:srgbClr val="C0C0C0"/>
                   </a:outerShdw>
                 </a:effectLst>
                 <a:ea typeface="굴림" charset="-127"/>
@@ -21590,11 +22627,11 @@
             <a:r>
               <a:rPr altLang="ko-KR" smtClean="0">
                 <a:solidFill>
-                  <a:srgbClr xmlns:mc="http://schemas.openxmlformats.org/markup-compatibility/2006" xmlns:a14="http://schemas.microsoft.com/office/drawing/2007/7/7/main" val="595959" mc:Ignorable=""/>
+                  <a:srgbClr val="595959"/>
                 </a:solidFill>
                 <a:effectLst>
                   <a:outerShdw blurRad="38100" dist="38100" dir="2700000" algn="tl">
-                    <a:srgbClr xmlns:mc="http://schemas.openxmlformats.org/markup-compatibility/2006" xmlns:a14="http://schemas.microsoft.com/office/drawing/2007/7/7/main" val="C0C0C0" mc:Ignorable=""/>
+                    <a:srgbClr val="C0C0C0"/>
                   </a:outerShdw>
                 </a:effectLst>
                 <a:ea typeface="굴림" charset="-127"/>
@@ -21608,11 +22645,11 @@
             </a:pPr>
             <a:endParaRPr altLang="ko-KR" smtClean="0">
               <a:solidFill>
-                <a:srgbClr xmlns:mc="http://schemas.openxmlformats.org/markup-compatibility/2006" xmlns:a14="http://schemas.microsoft.com/office/drawing/2007/7/7/main" val="8F481E" mc:Ignorable=""/>
+                <a:srgbClr val="8F481E"/>
               </a:solidFill>
               <a:effectLst>
                 <a:outerShdw blurRad="38100" dist="38100" dir="2700000" algn="tl">
-                  <a:srgbClr xmlns:mc="http://schemas.openxmlformats.org/markup-compatibility/2006" xmlns:a14="http://schemas.microsoft.com/office/drawing/2007/7/7/main" val="C0C0C0" mc:Ignorable=""/>
+                  <a:srgbClr val="C0C0C0"/>
                 </a:outerShdw>
               </a:effectLst>
               <a:ea typeface="굴림" charset="-127"/>
@@ -21657,7 +22694,7 @@
                 </a:ln>
                 <a:effectLst>
                   <a:outerShdw blurRad="38100" dist="38100" dir="2700000" algn="tl">
-                    <a:srgbClr xmlns:mc="http://schemas.openxmlformats.org/markup-compatibility/2006" xmlns:a14="http://schemas.microsoft.com/office/drawing/2007/7/7/main" val="000000" mc:Ignorable="">
+                    <a:srgbClr val="000000">
                       <a:alpha val="43137"/>
                     </a:srgbClr>
                   </a:outerShdw>
@@ -21675,7 +22712,7 @@
                 </a:solidFill>
                 <a:effectLst>
                   <a:outerShdw blurRad="38100" dist="38100" dir="2700000" algn="tl">
-                    <a:srgbClr xmlns:mc="http://schemas.openxmlformats.org/markup-compatibility/2006" xmlns:a14="http://schemas.microsoft.com/office/drawing/2007/7/7/main" val="000000" mc:Ignorable="">
+                    <a:srgbClr val="000000">
                       <a:alpha val="43137"/>
                     </a:srgbClr>
                   </a:outerShdw>
@@ -21693,7 +22730,7 @@
                 </a:solidFill>
                 <a:effectLst>
                   <a:outerShdw blurRad="38100" dist="38100" dir="2700000" algn="tl">
-                    <a:srgbClr xmlns:mc="http://schemas.openxmlformats.org/markup-compatibility/2006" xmlns:a14="http://schemas.microsoft.com/office/drawing/2007/7/7/main" val="000000" mc:Ignorable="">
+                    <a:srgbClr val="000000">
                       <a:alpha val="43137"/>
                     </a:srgbClr>
                   </a:outerShdw>
@@ -21710,7 +22747,7 @@
                 </a:solidFill>
                 <a:effectLst>
                   <a:outerShdw blurRad="38100" dist="38100" dir="2700000" algn="tl">
-                    <a:srgbClr xmlns:mc="http://schemas.openxmlformats.org/markup-compatibility/2006" xmlns:a14="http://schemas.microsoft.com/office/drawing/2007/7/7/main" val="000000" mc:Ignorable="">
+                    <a:srgbClr val="000000">
                       <a:alpha val="43137"/>
                     </a:srgbClr>
                   </a:outerShdw>
@@ -21730,7 +22767,7 @@
                 </a:solidFill>
                 <a:effectLst>
                   <a:outerShdw blurRad="38100" dist="38100" dir="2700000" algn="tl">
-                    <a:srgbClr xmlns:mc="http://schemas.openxmlformats.org/markup-compatibility/2006" xmlns:a14="http://schemas.microsoft.com/office/drawing/2007/7/7/main" val="000000" mc:Ignorable="">
+                    <a:srgbClr val="000000">
                       <a:alpha val="43137"/>
                     </a:srgbClr>
                   </a:outerShdw>
@@ -21749,7 +22786,7 @@
               </a:solidFill>
               <a:effectLst>
                 <a:outerShdw blurRad="38100" dist="38100" dir="2700000" algn="tl">
-                  <a:srgbClr xmlns:mc="http://schemas.openxmlformats.org/markup-compatibility/2006" xmlns:a14="http://schemas.microsoft.com/office/drawing/2007/7/7/main" val="000000" mc:Ignorable="">
+                  <a:srgbClr val="000000">
                     <a:alpha val="43137"/>
                   </a:srgbClr>
                 </a:outerShdw>
@@ -21815,7 +22852,7 @@
             </a:avLst>
           </a:prstGeom>
           <a:solidFill>
-            <a:srgbClr xmlns:mc="http://schemas.openxmlformats.org/markup-compatibility/2006" xmlns:a14="http://schemas.microsoft.com/office/drawing/2007/7/7/main" val="FFFFFF" mc:Ignorable="">
+            <a:srgbClr val="FFFFFF">
               <a:shade val="85000"/>
             </a:srgbClr>
           </a:solidFill>
@@ -21853,7 +22890,7 @@
             </a:avLst>
           </a:prstGeom>
           <a:solidFill>
-            <a:srgbClr xmlns:mc="http://schemas.openxmlformats.org/markup-compatibility/2006" xmlns:a14="http://schemas.microsoft.com/office/drawing/2007/7/7/main" val="FFFFFF" mc:Ignorable="">
+            <a:srgbClr val="FFFFFF">
               <a:shade val="85000"/>
             </a:srgbClr>
           </a:solidFill>
@@ -21908,7 +22945,7 @@
               <a:rPr lang="fr-FR" sz="2400" b="1" dirty="0" smtClean="0">
                 <a:effectLst>
                   <a:outerShdw blurRad="38100" dist="38100" dir="2700000" algn="tl">
-                    <a:srgbClr xmlns:mc="http://schemas.openxmlformats.org/markup-compatibility/2006" xmlns:a14="http://schemas.microsoft.com/office/drawing/2007/7/7/main" val="000000" mc:Ignorable="">
+                    <a:srgbClr val="000000">
                       <a:alpha val="43137"/>
                     </a:srgbClr>
                   </a:outerShdw>
@@ -21935,7 +22972,7 @@
   <p:timing>
     <p:tnLst>
       <p:par>
-        <p:cTn xmlns:p14="http://schemas.microsoft.com/office/powerpoint/2007/7/12/main" id="1" dur="indefinite" restart="never" nodeType="tmRoot"/>
+        <p:cTn id="1" dur="indefinite" restart="never" nodeType="tmRoot"/>
       </p:par>
     </p:tnLst>
   </p:timing>
@@ -22114,7 +23151,7 @@
   <p:timing>
     <p:tnLst>
       <p:par>
-        <p:cTn xmlns:p14="http://schemas.microsoft.com/office/powerpoint/2007/7/12/main" id="1" dur="indefinite" restart="never" nodeType="tmRoot"/>
+        <p:cTn id="1" dur="indefinite" restart="never" nodeType="tmRoot"/>
       </p:par>
     </p:tnLst>
   </p:timing>
@@ -22485,7 +23522,7 @@
     </p:spTree>
     <p:extLst>
       <p:ext uri="{BB962C8B-B14F-4D97-AF65-F5344CB8AC3E}">
-        <p14:creationId xmlns:p14="http://schemas.microsoft.com/office/powerpoint/2007/7/12/main" val="1740115933"/>
+        <p14:creationId xmlns:p14="http://schemas.microsoft.com/office/powerpoint/2007/7/12/main" xmlns="" val="1740115933"/>
       </p:ext>
     </p:extLst>
   </p:cSld>
@@ -22495,7 +23532,7 @@
   <p:timing>
     <p:tnLst>
       <p:par>
-        <p:cTn xmlns:p14="http://schemas.microsoft.com/office/powerpoint/2007/7/12/main" id="1" dur="indefinite" restart="never" nodeType="tmRoot"/>
+        <p:cTn id="1" dur="indefinite" restart="never" nodeType="tmRoot"/>
       </p:par>
     </p:tnLst>
   </p:timing>
@@ -22759,7 +23796,7 @@
                 <a:spcPct val="0"/>
               </a:spcAft>
               <a:buClr>
-                <a:srgbClr xmlns:mc="http://schemas.openxmlformats.org/markup-compatibility/2006" xmlns:a14="http://schemas.microsoft.com/office/drawing/2007/7/7/main" val="DA7E18" mc:Ignorable=""/>
+                <a:srgbClr val="DA7E18"/>
               </a:buClr>
               <a:buSzPct val="70000"/>
               <a:buFont typeface="Wingdings" pitchFamily="2" charset="2"/>
@@ -22781,7 +23818,7 @@
                 <a:spcPct val="0"/>
               </a:spcAft>
               <a:buClr>
-                <a:srgbClr xmlns:mc="http://schemas.openxmlformats.org/markup-compatibility/2006" xmlns:a14="http://schemas.microsoft.com/office/drawing/2007/7/7/main" val="E5AB1B" mc:Ignorable=""/>
+                <a:srgbClr val="E5AB1B"/>
               </a:buClr>
               <a:buSzPct val="70000"/>
               <a:buFont typeface="Wingdings" pitchFamily="2" charset="2"/>
@@ -23163,7 +24200,7 @@
                 <a:spcPct val="0"/>
               </a:spcAft>
               <a:buClr>
-                <a:srgbClr xmlns:mc="http://schemas.openxmlformats.org/markup-compatibility/2006" xmlns:a14="http://schemas.microsoft.com/office/drawing/2007/7/7/main" val="DA7E18" mc:Ignorable=""/>
+                <a:srgbClr val="DA7E18"/>
               </a:buClr>
               <a:buSzPct val="70000"/>
               <a:buFont typeface="Wingdings" pitchFamily="2" charset="2"/>
@@ -23185,7 +24222,7 @@
                 <a:spcPct val="0"/>
               </a:spcAft>
               <a:buClr>
-                <a:srgbClr xmlns:mc="http://schemas.openxmlformats.org/markup-compatibility/2006" xmlns:a14="http://schemas.microsoft.com/office/drawing/2007/7/7/main" val="E5AB1B" mc:Ignorable=""/>
+                <a:srgbClr val="E5AB1B"/>
               </a:buClr>
               <a:buSzPct val="70000"/>
               <a:buFont typeface="Wingdings" pitchFamily="2" charset="2"/>
@@ -23383,7 +24420,7 @@
                 <a:spcPct val="0"/>
               </a:spcAft>
               <a:buClr>
-                <a:srgbClr xmlns:mc="http://schemas.openxmlformats.org/markup-compatibility/2006" xmlns:a14="http://schemas.microsoft.com/office/drawing/2007/7/7/main" val="DA7E18" mc:Ignorable=""/>
+                <a:srgbClr val="DA7E18"/>
               </a:buClr>
               <a:buSzPct val="70000"/>
               <a:buFont typeface="Wingdings" pitchFamily="2" charset="2"/>
@@ -23405,7 +24442,7 @@
                 <a:spcPct val="0"/>
               </a:spcAft>
               <a:buClr>
-                <a:srgbClr xmlns:mc="http://schemas.openxmlformats.org/markup-compatibility/2006" xmlns:a14="http://schemas.microsoft.com/office/drawing/2007/7/7/main" val="E5AB1B" mc:Ignorable=""/>
+                <a:srgbClr val="E5AB1B"/>
               </a:buClr>
               <a:buSzPct val="70000"/>
               <a:buFont typeface="Wingdings" pitchFamily="2" charset="2"/>
@@ -23603,7 +24640,7 @@
                 <a:spcPct val="0"/>
               </a:spcAft>
               <a:buClr>
-                <a:srgbClr xmlns:mc="http://schemas.openxmlformats.org/markup-compatibility/2006" xmlns:a14="http://schemas.microsoft.com/office/drawing/2007/7/7/main" val="DA7E18" mc:Ignorable=""/>
+                <a:srgbClr val="DA7E18"/>
               </a:buClr>
               <a:buSzPct val="70000"/>
               <a:buFont typeface="Wingdings" pitchFamily="2" charset="2"/>
@@ -23625,7 +24662,7 @@
                 <a:spcPct val="0"/>
               </a:spcAft>
               <a:buClr>
-                <a:srgbClr xmlns:mc="http://schemas.openxmlformats.org/markup-compatibility/2006" xmlns:a14="http://schemas.microsoft.com/office/drawing/2007/7/7/main" val="E5AB1B" mc:Ignorable=""/>
+                <a:srgbClr val="E5AB1B"/>
               </a:buClr>
               <a:buSzPct val="70000"/>
               <a:buFont typeface="Wingdings" pitchFamily="2" charset="2"/>
@@ -23818,7 +24855,7 @@
                 <a:spcPct val="0"/>
               </a:spcAft>
               <a:buClr>
-                <a:srgbClr xmlns:mc="http://schemas.openxmlformats.org/markup-compatibility/2006" xmlns:a14="http://schemas.microsoft.com/office/drawing/2007/7/7/main" val="DA7E18" mc:Ignorable=""/>
+                <a:srgbClr val="DA7E18"/>
               </a:buClr>
               <a:buSzPct val="70000"/>
               <a:buFont typeface="Wingdings" pitchFamily="2" charset="2"/>
@@ -23840,7 +24877,7 @@
                 <a:spcPct val="0"/>
               </a:spcAft>
               <a:buClr>
-                <a:srgbClr xmlns:mc="http://schemas.openxmlformats.org/markup-compatibility/2006" xmlns:a14="http://schemas.microsoft.com/office/drawing/2007/7/7/main" val="E5AB1B" mc:Ignorable=""/>
+                <a:srgbClr val="E5AB1B"/>
               </a:buClr>
               <a:buSzPct val="70000"/>
               <a:buFont typeface="Wingdings" pitchFamily="2" charset="2"/>
@@ -24228,7 +25265,7 @@
     </p:spTree>
     <p:extLst>
       <p:ext uri="{BB962C8B-B14F-4D97-AF65-F5344CB8AC3E}">
-        <p14:creationId xmlns:p14="http://schemas.microsoft.com/office/powerpoint/2007/7/12/main" val="1726127084"/>
+        <p14:creationId xmlns:p14="http://schemas.microsoft.com/office/powerpoint/2007/7/12/main" xmlns="" val="1726127084"/>
       </p:ext>
     </p:extLst>
   </p:cSld>
@@ -24238,7 +25275,7 @@
   <p:timing>
     <p:tnLst>
       <p:par>
-        <p:cTn xmlns:p14="http://schemas.microsoft.com/office/powerpoint/2007/7/12/main" id="1" dur="indefinite" restart="never" nodeType="tmRoot"/>
+        <p:cTn id="1" dur="indefinite" restart="never" nodeType="tmRoot"/>
       </p:par>
     </p:tnLst>
   </p:timing>
@@ -24811,7 +25848,7 @@
     </p:spTree>
     <p:extLst>
       <p:ext uri="{BB962C8B-B14F-4D97-AF65-F5344CB8AC3E}">
-        <p14:creationId xmlns:p14="http://schemas.microsoft.com/office/powerpoint/2007/7/12/main" val="3819095931"/>
+        <p14:creationId xmlns:p14="http://schemas.microsoft.com/office/powerpoint/2007/7/12/main" xmlns="" val="3819095931"/>
       </p:ext>
     </p:extLst>
   </p:cSld>
@@ -24821,7 +25858,7 @@
   <p:timing>
     <p:tnLst>
       <p:par>
-        <p:cTn xmlns:p14="http://schemas.microsoft.com/office/powerpoint/2007/7/12/main" id="1" dur="indefinite" restart="never" nodeType="tmRoot"/>
+        <p:cTn id="1" dur="indefinite" restart="never" nodeType="tmRoot"/>
       </p:par>
     </p:tnLst>
   </p:timing>
@@ -25252,7 +26289,7 @@
     </p:spTree>
     <p:extLst>
       <p:ext uri="{BB962C8B-B14F-4D97-AF65-F5344CB8AC3E}">
-        <p14:creationId xmlns:p14="http://schemas.microsoft.com/office/powerpoint/2007/7/12/main" val="532621230"/>
+        <p14:creationId xmlns:p14="http://schemas.microsoft.com/office/powerpoint/2007/7/12/main" xmlns="" val="532621230"/>
       </p:ext>
     </p:extLst>
   </p:cSld>
@@ -25262,7 +26299,7 @@
   <p:timing>
     <p:tnLst>
       <p:par>
-        <p:cTn xmlns:p14="http://schemas.microsoft.com/office/powerpoint/2007/7/12/main" id="1" dur="indefinite" restart="never" nodeType="tmRoot"/>
+        <p:cTn id="1" dur="indefinite" restart="never" nodeType="tmRoot"/>
       </p:par>
     </p:tnLst>
   </p:timing>
@@ -25758,7 +26795,7 @@
                 <a:spcPct val="0"/>
               </a:spcAft>
               <a:buClr>
-                <a:srgbClr xmlns:mc="http://schemas.openxmlformats.org/markup-compatibility/2006" xmlns:a14="http://schemas.microsoft.com/office/drawing/2007/7/7/main" val="DA7E18" mc:Ignorable=""/>
+                <a:srgbClr val="DA7E18"/>
               </a:buClr>
               <a:buSzPct val="70000"/>
               <a:buFont typeface="Wingdings" pitchFamily="2" charset="2"/>
@@ -25780,7 +26817,7 @@
                 <a:spcPct val="0"/>
               </a:spcAft>
               <a:buClr>
-                <a:srgbClr xmlns:mc="http://schemas.openxmlformats.org/markup-compatibility/2006" xmlns:a14="http://schemas.microsoft.com/office/drawing/2007/7/7/main" val="E5AB1B" mc:Ignorable=""/>
+                <a:srgbClr val="E5AB1B"/>
               </a:buClr>
               <a:buSzPct val="70000"/>
               <a:buFont typeface="Wingdings" pitchFamily="2" charset="2"/>
@@ -26301,7 +27338,7 @@
                 </a:solidFill>
                 <a:effectLst>
                   <a:outerShdw blurRad="38100" dist="38100" dir="2700000" algn="tl">
-                    <a:srgbClr xmlns:mc="http://schemas.openxmlformats.org/markup-compatibility/2006" xmlns:a14="http://schemas.microsoft.com/office/drawing/2007/7/7/main" val="000000" mc:Ignorable="">
+                    <a:srgbClr val="000000">
                       <a:alpha val="43137"/>
                     </a:srgbClr>
                   </a:outerShdw>
@@ -26318,7 +27355,7 @@
                 </a:solidFill>
                 <a:effectLst>
                   <a:outerShdw blurRad="38100" dist="38100" dir="2700000" algn="tl">
-                    <a:srgbClr xmlns:mc="http://schemas.openxmlformats.org/markup-compatibility/2006" xmlns:a14="http://schemas.microsoft.com/office/drawing/2007/7/7/main" val="000000" mc:Ignorable="">
+                    <a:srgbClr val="000000">
                       <a:alpha val="43137"/>
                     </a:srgbClr>
                   </a:outerShdw>
@@ -26335,7 +27372,7 @@
                 </a:solidFill>
                 <a:effectLst>
                   <a:outerShdw blurRad="38100" dist="38100" dir="2700000" algn="tl">
-                    <a:srgbClr xmlns:mc="http://schemas.openxmlformats.org/markup-compatibility/2006" xmlns:a14="http://schemas.microsoft.com/office/drawing/2007/7/7/main" val="000000" mc:Ignorable="">
+                    <a:srgbClr val="000000">
                       <a:alpha val="43137"/>
                     </a:srgbClr>
                   </a:outerShdw>
@@ -26352,7 +27389,7 @@
                 </a:solidFill>
                 <a:effectLst>
                   <a:outerShdw blurRad="38100" dist="38100" dir="2700000" algn="tl">
-                    <a:srgbClr xmlns:mc="http://schemas.openxmlformats.org/markup-compatibility/2006" xmlns:a14="http://schemas.microsoft.com/office/drawing/2007/7/7/main" val="000000" mc:Ignorable="">
+                    <a:srgbClr val="000000">
                       <a:alpha val="43137"/>
                     </a:srgbClr>
                   </a:outerShdw>
@@ -26633,7 +27670,7 @@
     </p:spTree>
     <p:extLst>
       <p:ext uri="{BB962C8B-B14F-4D97-AF65-F5344CB8AC3E}">
-        <p14:creationId xmlns:p14="http://schemas.microsoft.com/office/powerpoint/2007/7/12/main" val="3222460238"/>
+        <p14:creationId xmlns:p14="http://schemas.microsoft.com/office/powerpoint/2007/7/12/main" xmlns="" val="3222460238"/>
       </p:ext>
     </p:extLst>
   </p:cSld>
@@ -26643,7 +27680,7 @@
   <p:timing>
     <p:tnLst>
       <p:par>
-        <p:cTn xmlns:p14="http://schemas.microsoft.com/office/powerpoint/2007/7/12/main" id="1" dur="indefinite" restart="never" nodeType="tmRoot"/>
+        <p:cTn id="1" dur="indefinite" restart="never" nodeType="tmRoot"/>
       </p:par>
     </p:tnLst>
   </p:timing>
@@ -27000,7 +28037,7 @@
     </p:spTree>
     <p:extLst>
       <p:ext uri="{BB962C8B-B14F-4D97-AF65-F5344CB8AC3E}">
-        <p14:creationId xmlns:p14="http://schemas.microsoft.com/office/powerpoint/2007/7/12/main" val="883924539"/>
+        <p14:creationId xmlns:p14="http://schemas.microsoft.com/office/powerpoint/2007/7/12/main" xmlns="" val="883924539"/>
       </p:ext>
     </p:extLst>
   </p:cSld>
@@ -27010,7 +28047,7 @@
   <p:timing>
     <p:tnLst>
       <p:par>
-        <p:cTn xmlns:p14="http://schemas.microsoft.com/office/powerpoint/2007/7/12/main" id="1" dur="indefinite" restart="never" nodeType="tmRoot"/>
+        <p:cTn id="1" dur="indefinite" restart="never" nodeType="tmRoot"/>
       </p:par>
     </p:tnLst>
   </p:timing>
@@ -27618,7 +28655,7 @@
                 <a:spcPct val="0"/>
               </a:spcAft>
               <a:buClr>
-                <a:srgbClr xmlns:mc="http://schemas.openxmlformats.org/markup-compatibility/2006" xmlns:a14="http://schemas.microsoft.com/office/drawing/2007/7/7/main" val="DA7E18" mc:Ignorable=""/>
+                <a:srgbClr val="DA7E18"/>
               </a:buClr>
               <a:buSzPct val="70000"/>
               <a:buFont typeface="Wingdings" pitchFamily="2" charset="2"/>
@@ -27640,7 +28677,7 @@
                 <a:spcPct val="0"/>
               </a:spcAft>
               <a:buClr>
-                <a:srgbClr xmlns:mc="http://schemas.openxmlformats.org/markup-compatibility/2006" xmlns:a14="http://schemas.microsoft.com/office/drawing/2007/7/7/main" val="E5AB1B" mc:Ignorable=""/>
+                <a:srgbClr val="E5AB1B"/>
               </a:buClr>
               <a:buSzPct val="70000"/>
               <a:buFont typeface="Wingdings" pitchFamily="2" charset="2"/>
@@ -28167,7 +29204,7 @@
                 <a:spcPct val="0"/>
               </a:spcAft>
               <a:buClr>
-                <a:srgbClr xmlns:mc="http://schemas.openxmlformats.org/markup-compatibility/2006" xmlns:a14="http://schemas.microsoft.com/office/drawing/2007/7/7/main" val="DA7E18" mc:Ignorable=""/>
+                <a:srgbClr val="DA7E18"/>
               </a:buClr>
               <a:buSzPct val="70000"/>
               <a:buFont typeface="Wingdings" pitchFamily="2" charset="2"/>
@@ -28189,7 +29226,7 @@
                 <a:spcPct val="0"/>
               </a:spcAft>
               <a:buClr>
-                <a:srgbClr xmlns:mc="http://schemas.openxmlformats.org/markup-compatibility/2006" xmlns:a14="http://schemas.microsoft.com/office/drawing/2007/7/7/main" val="E5AB1B" mc:Ignorable=""/>
+                <a:srgbClr val="E5AB1B"/>
               </a:buClr>
               <a:buSzPct val="70000"/>
               <a:buFont typeface="Wingdings" pitchFamily="2" charset="2"/>
@@ -28369,7 +29406,7 @@
                 <a:spcPct val="0"/>
               </a:spcAft>
               <a:buClr>
-                <a:srgbClr xmlns:mc="http://schemas.openxmlformats.org/markup-compatibility/2006" xmlns:a14="http://schemas.microsoft.com/office/drawing/2007/7/7/main" val="DA7E18" mc:Ignorable=""/>
+                <a:srgbClr val="DA7E18"/>
               </a:buClr>
               <a:buSzPct val="70000"/>
               <a:buFont typeface="Wingdings" pitchFamily="2" charset="2"/>
@@ -28391,7 +29428,7 @@
                 <a:spcPct val="0"/>
               </a:spcAft>
               <a:buClr>
-                <a:srgbClr xmlns:mc="http://schemas.openxmlformats.org/markup-compatibility/2006" xmlns:a14="http://schemas.microsoft.com/office/drawing/2007/7/7/main" val="E5AB1B" mc:Ignorable=""/>
+                <a:srgbClr val="E5AB1B"/>
               </a:buClr>
               <a:buSzPct val="70000"/>
               <a:buFont typeface="Wingdings" pitchFamily="2" charset="2"/>
@@ -28836,7 +29873,7 @@
                 </a:solidFill>
                 <a:effectLst>
                   <a:outerShdw blurRad="38100" dist="38100" dir="2700000" algn="tl">
-                    <a:srgbClr xmlns:mc="http://schemas.openxmlformats.org/markup-compatibility/2006" xmlns:a14="http://schemas.microsoft.com/office/drawing/2007/7/7/main" val="000000" mc:Ignorable="">
+                    <a:srgbClr val="000000">
                       <a:alpha val="43137"/>
                     </a:srgbClr>
                   </a:outerShdw>
@@ -28853,7 +29890,7 @@
                 </a:solidFill>
                 <a:effectLst>
                   <a:outerShdw blurRad="38100" dist="38100" dir="2700000" algn="tl">
-                    <a:srgbClr xmlns:mc="http://schemas.openxmlformats.org/markup-compatibility/2006" xmlns:a14="http://schemas.microsoft.com/office/drawing/2007/7/7/main" val="000000" mc:Ignorable="">
+                    <a:srgbClr val="000000">
                       <a:alpha val="43137"/>
                     </a:srgbClr>
                   </a:outerShdw>
@@ -28870,7 +29907,7 @@
                 </a:solidFill>
                 <a:effectLst>
                   <a:outerShdw blurRad="38100" dist="38100" dir="2700000" algn="tl">
-                    <a:srgbClr xmlns:mc="http://schemas.openxmlformats.org/markup-compatibility/2006" xmlns:a14="http://schemas.microsoft.com/office/drawing/2007/7/7/main" val="000000" mc:Ignorable="">
+                    <a:srgbClr val="000000">
                       <a:alpha val="43137"/>
                     </a:srgbClr>
                   </a:outerShdw>
@@ -28887,7 +29924,7 @@
                 </a:solidFill>
                 <a:effectLst>
                   <a:outerShdw blurRad="38100" dist="38100" dir="2700000" algn="tl">
-                    <a:srgbClr xmlns:mc="http://schemas.openxmlformats.org/markup-compatibility/2006" xmlns:a14="http://schemas.microsoft.com/office/drawing/2007/7/7/main" val="000000" mc:Ignorable="">
+                    <a:srgbClr val="000000">
                       <a:alpha val="43137"/>
                     </a:srgbClr>
                   </a:outerShdw>
@@ -29168,7 +30205,7 @@
     </p:spTree>
     <p:extLst>
       <p:ext uri="{BB962C8B-B14F-4D97-AF65-F5344CB8AC3E}">
-        <p14:creationId xmlns:p14="http://schemas.microsoft.com/office/powerpoint/2007/7/12/main" val="2448966025"/>
+        <p14:creationId xmlns:p14="http://schemas.microsoft.com/office/powerpoint/2007/7/12/main" xmlns="" val="2448966025"/>
       </p:ext>
     </p:extLst>
   </p:cSld>
@@ -29178,7 +30215,7 @@
   <p:timing>
     <p:tnLst>
       <p:par>
-        <p:cTn xmlns:p14="http://schemas.microsoft.com/office/powerpoint/2007/7/12/main" id="1" dur="indefinite" restart="never" nodeType="tmRoot"/>
+        <p:cTn id="1" dur="indefinite" restart="never" nodeType="tmRoot"/>
       </p:par>
     </p:tnLst>
   </p:timing>
@@ -29196,34 +30233,34 @@
         <a:sysClr val="window" lastClr="FFFFFF"/>
       </a:lt1>
       <a:dk2>
-        <a:srgbClr xmlns:mc="http://schemas.openxmlformats.org/markup-compatibility/2006" xmlns:a14="http://schemas.microsoft.com/office/drawing/2007/7/7/main" val="424456" mc:Ignorable=""/>
+        <a:srgbClr val="424456"/>
       </a:dk2>
       <a:lt2>
-        <a:srgbClr xmlns:mc="http://schemas.openxmlformats.org/markup-compatibility/2006" xmlns:a14="http://schemas.microsoft.com/office/drawing/2007/7/7/main" val="DEDEDE" mc:Ignorable=""/>
+        <a:srgbClr val="DEDEDE"/>
       </a:lt2>
       <a:accent1>
-        <a:srgbClr xmlns:mc="http://schemas.openxmlformats.org/markup-compatibility/2006" xmlns:a14="http://schemas.microsoft.com/office/drawing/2007/7/7/main" val="53548A" mc:Ignorable=""/>
+        <a:srgbClr val="53548A"/>
       </a:accent1>
       <a:accent2>
-        <a:srgbClr xmlns:mc="http://schemas.openxmlformats.org/markup-compatibility/2006" xmlns:a14="http://schemas.microsoft.com/office/drawing/2007/7/7/main" val="438086" mc:Ignorable=""/>
+        <a:srgbClr val="438086"/>
       </a:accent2>
       <a:accent3>
-        <a:srgbClr xmlns:mc="http://schemas.openxmlformats.org/markup-compatibility/2006" xmlns:a14="http://schemas.microsoft.com/office/drawing/2007/7/7/main" val="A04DA3" mc:Ignorable=""/>
+        <a:srgbClr val="A04DA3"/>
       </a:accent3>
       <a:accent4>
-        <a:srgbClr xmlns:mc="http://schemas.openxmlformats.org/markup-compatibility/2006" xmlns:a14="http://schemas.microsoft.com/office/drawing/2007/7/7/main" val="C4652D" mc:Ignorable=""/>
+        <a:srgbClr val="C4652D"/>
       </a:accent4>
       <a:accent5>
-        <a:srgbClr xmlns:mc="http://schemas.openxmlformats.org/markup-compatibility/2006" xmlns:a14="http://schemas.microsoft.com/office/drawing/2007/7/7/main" val="8B5D3D" mc:Ignorable=""/>
+        <a:srgbClr val="8B5D3D"/>
       </a:accent5>
       <a:accent6>
-        <a:srgbClr xmlns:mc="http://schemas.openxmlformats.org/markup-compatibility/2006" xmlns:a14="http://schemas.microsoft.com/office/drawing/2007/7/7/main" val="5C92B5" mc:Ignorable=""/>
+        <a:srgbClr val="5C92B5"/>
       </a:accent6>
       <a:hlink>
-        <a:srgbClr xmlns:mc="http://schemas.openxmlformats.org/markup-compatibility/2006" xmlns:a14="http://schemas.microsoft.com/office/drawing/2007/7/7/main" val="67AFBD" mc:Ignorable=""/>
+        <a:srgbClr val="67AFBD"/>
       </a:hlink>
       <a:folHlink>
-        <a:srgbClr xmlns:mc="http://schemas.openxmlformats.org/markup-compatibility/2006" xmlns:a14="http://schemas.microsoft.com/office/drawing/2007/7/7/main" val="C2A874" mc:Ignorable=""/>
+        <a:srgbClr val="C2A874"/>
       </a:folHlink>
     </a:clrScheme>
     <a:fontScheme name="Office">
@@ -29374,7 +30411,7 @@
         <a:effectStyle>
           <a:effectLst>
             <a:outerShdw blurRad="65500" dist="38100" dir="5400000" rotWithShape="0">
-              <a:srgbClr xmlns:mc="http://schemas.openxmlformats.org/markup-compatibility/2006" xmlns:a14="http://schemas.microsoft.com/office/drawing/2007/7/7/main" val="000000" mc:Ignorable="">
+              <a:srgbClr val="000000">
                 <a:alpha val="40000"/>
               </a:srgbClr>
             </a:outerShdw>
@@ -29383,7 +30420,7 @@
         <a:effectStyle>
           <a:effectLst>
             <a:outerShdw blurRad="65500" dist="38100" dir="5400000" rotWithShape="0">
-              <a:srgbClr xmlns:mc="http://schemas.openxmlformats.org/markup-compatibility/2006" xmlns:a14="http://schemas.microsoft.com/office/drawing/2007/7/7/main" val="000000" mc:Ignorable="">
+              <a:srgbClr val="000000">
                 <a:alpha val="40000"/>
               </a:srgbClr>
             </a:outerShdw>
@@ -29392,7 +30429,7 @@
         <a:effectStyle>
           <a:effectLst>
             <a:outerShdw blurRad="65500" dist="38100" dir="5400000" rotWithShape="0">
-              <a:srgbClr xmlns:mc="http://schemas.openxmlformats.org/markup-compatibility/2006" xmlns:a14="http://schemas.microsoft.com/office/drawing/2007/7/7/main" val="000000" mc:Ignorable="">
+              <a:srgbClr val="000000">
                 <a:alpha val="40000"/>
               </a:srgbClr>
             </a:outerShdw>
@@ -29522,34 +30559,34 @@
         <a:sysClr val="window" lastClr="FFFFFF"/>
       </a:lt1>
       <a:dk2>
-        <a:srgbClr xmlns:mc="http://schemas.openxmlformats.org/markup-compatibility/2006" xmlns:a14="http://schemas.microsoft.com/office/drawing/2007/7/7/main" val="1F497D" mc:Ignorable=""/>
+        <a:srgbClr val="1F497D"/>
       </a:dk2>
       <a:lt2>
-        <a:srgbClr xmlns:mc="http://schemas.openxmlformats.org/markup-compatibility/2006" xmlns:a14="http://schemas.microsoft.com/office/drawing/2007/7/7/main" val="EEECE1" mc:Ignorable=""/>
+        <a:srgbClr val="EEECE1"/>
       </a:lt2>
       <a:accent1>
-        <a:srgbClr xmlns:mc="http://schemas.openxmlformats.org/markup-compatibility/2006" xmlns:a14="http://schemas.microsoft.com/office/drawing/2007/7/7/main" val="4F81BD" mc:Ignorable=""/>
+        <a:srgbClr val="4F81BD"/>
       </a:accent1>
       <a:accent2>
-        <a:srgbClr xmlns:mc="http://schemas.openxmlformats.org/markup-compatibility/2006" xmlns:a14="http://schemas.microsoft.com/office/drawing/2007/7/7/main" val="C0504D" mc:Ignorable=""/>
+        <a:srgbClr val="C0504D"/>
       </a:accent2>
       <a:accent3>
-        <a:srgbClr xmlns:mc="http://schemas.openxmlformats.org/markup-compatibility/2006" xmlns:a14="http://schemas.microsoft.com/office/drawing/2007/7/7/main" val="9BBB59" mc:Ignorable=""/>
+        <a:srgbClr val="9BBB59"/>
       </a:accent3>
       <a:accent4>
-        <a:srgbClr xmlns:mc="http://schemas.openxmlformats.org/markup-compatibility/2006" xmlns:a14="http://schemas.microsoft.com/office/drawing/2007/7/7/main" val="8064A2" mc:Ignorable=""/>
+        <a:srgbClr val="8064A2"/>
       </a:accent4>
       <a:accent5>
-        <a:srgbClr xmlns:mc="http://schemas.openxmlformats.org/markup-compatibility/2006" xmlns:a14="http://schemas.microsoft.com/office/drawing/2007/7/7/main" val="4BACC6" mc:Ignorable=""/>
+        <a:srgbClr val="4BACC6"/>
       </a:accent5>
       <a:accent6>
-        <a:srgbClr xmlns:mc="http://schemas.openxmlformats.org/markup-compatibility/2006" xmlns:a14="http://schemas.microsoft.com/office/drawing/2007/7/7/main" val="F79646" mc:Ignorable=""/>
+        <a:srgbClr val="F79646"/>
       </a:accent6>
       <a:hlink>
-        <a:srgbClr xmlns:mc="http://schemas.openxmlformats.org/markup-compatibility/2006" xmlns:a14="http://schemas.microsoft.com/office/drawing/2007/7/7/main" val="0000FF" mc:Ignorable=""/>
+        <a:srgbClr val="0000FF"/>
       </a:hlink>
       <a:folHlink>
-        <a:srgbClr xmlns:mc="http://schemas.openxmlformats.org/markup-compatibility/2006" xmlns:a14="http://schemas.microsoft.com/office/drawing/2007/7/7/main" val="800080" mc:Ignorable=""/>
+        <a:srgbClr val="800080"/>
       </a:folHlink>
     </a:clrScheme>
     <a:fontScheme name="Office">
@@ -29701,7 +30738,7 @@
         <a:effectStyle>
           <a:effectLst>
             <a:outerShdw blurRad="40000" dist="20000" dir="5400000" rotWithShape="0">
-              <a:srgbClr xmlns:mc="http://schemas.openxmlformats.org/markup-compatibility/2006" xmlns:a14="http://schemas.microsoft.com/office/drawing/2007/7/7/main" val="000000" mc:Ignorable="">
+              <a:srgbClr val="000000">
                 <a:alpha val="38000"/>
               </a:srgbClr>
             </a:outerShdw>
@@ -29710,7 +30747,7 @@
         <a:effectStyle>
           <a:effectLst>
             <a:outerShdw blurRad="40000" dist="23000" dir="5400000" rotWithShape="0">
-              <a:srgbClr xmlns:mc="http://schemas.openxmlformats.org/markup-compatibility/2006" xmlns:a14="http://schemas.microsoft.com/office/drawing/2007/7/7/main" val="000000" mc:Ignorable="">
+              <a:srgbClr val="000000">
                 <a:alpha val="35000"/>
               </a:srgbClr>
             </a:outerShdw>
@@ -29719,7 +30756,7 @@
         <a:effectStyle>
           <a:effectLst>
             <a:outerShdw blurRad="40000" dist="23000" dir="5400000" rotWithShape="0">
-              <a:srgbClr xmlns:mc="http://schemas.openxmlformats.org/markup-compatibility/2006" xmlns:a14="http://schemas.microsoft.com/office/drawing/2007/7/7/main" val="000000" mc:Ignorable="">
+              <a:srgbClr val="000000">
                 <a:alpha val="35000"/>
               </a:srgbClr>
             </a:outerShdw>
@@ -29805,34 +30842,34 @@
         <a:sysClr val="window" lastClr="FFFFFF"/>
       </a:lt1>
       <a:dk2>
-        <a:srgbClr xmlns:mc="http://schemas.openxmlformats.org/markup-compatibility/2006" xmlns:a14="http://schemas.microsoft.com/office/drawing/2007/7/7/main" val="1F497D" mc:Ignorable=""/>
+        <a:srgbClr val="1F497D"/>
       </a:dk2>
       <a:lt2>
-        <a:srgbClr xmlns:mc="http://schemas.openxmlformats.org/markup-compatibility/2006" xmlns:a14="http://schemas.microsoft.com/office/drawing/2007/7/7/main" val="EEECE1" mc:Ignorable=""/>
+        <a:srgbClr val="EEECE1"/>
       </a:lt2>
       <a:accent1>
-        <a:srgbClr xmlns:mc="http://schemas.openxmlformats.org/markup-compatibility/2006" xmlns:a14="http://schemas.microsoft.com/office/drawing/2007/7/7/main" val="4F81BD" mc:Ignorable=""/>
+        <a:srgbClr val="4F81BD"/>
       </a:accent1>
       <a:accent2>
-        <a:srgbClr xmlns:mc="http://schemas.openxmlformats.org/markup-compatibility/2006" xmlns:a14="http://schemas.microsoft.com/office/drawing/2007/7/7/main" val="C0504D" mc:Ignorable=""/>
+        <a:srgbClr val="C0504D"/>
       </a:accent2>
       <a:accent3>
-        <a:srgbClr xmlns:mc="http://schemas.openxmlformats.org/markup-compatibility/2006" xmlns:a14="http://schemas.microsoft.com/office/drawing/2007/7/7/main" val="9BBB59" mc:Ignorable=""/>
+        <a:srgbClr val="9BBB59"/>
       </a:accent3>
       <a:accent4>
-        <a:srgbClr xmlns:mc="http://schemas.openxmlformats.org/markup-compatibility/2006" xmlns:a14="http://schemas.microsoft.com/office/drawing/2007/7/7/main" val="8064A2" mc:Ignorable=""/>
+        <a:srgbClr val="8064A2"/>
       </a:accent4>
       <a:accent5>
-        <a:srgbClr xmlns:mc="http://schemas.openxmlformats.org/markup-compatibility/2006" xmlns:a14="http://schemas.microsoft.com/office/drawing/2007/7/7/main" val="4BACC6" mc:Ignorable=""/>
+        <a:srgbClr val="4BACC6"/>
       </a:accent5>
       <a:accent6>
-        <a:srgbClr xmlns:mc="http://schemas.openxmlformats.org/markup-compatibility/2006" xmlns:a14="http://schemas.microsoft.com/office/drawing/2007/7/7/main" val="F79646" mc:Ignorable=""/>
+        <a:srgbClr val="F79646"/>
       </a:accent6>
       <a:hlink>
-        <a:srgbClr xmlns:mc="http://schemas.openxmlformats.org/markup-compatibility/2006" xmlns:a14="http://schemas.microsoft.com/office/drawing/2007/7/7/main" val="0000FF" mc:Ignorable=""/>
+        <a:srgbClr val="0000FF"/>
       </a:hlink>
       <a:folHlink>
-        <a:srgbClr xmlns:mc="http://schemas.openxmlformats.org/markup-compatibility/2006" xmlns:a14="http://schemas.microsoft.com/office/drawing/2007/7/7/main" val="800080" mc:Ignorable=""/>
+        <a:srgbClr val="800080"/>
       </a:folHlink>
     </a:clrScheme>
     <a:fontScheme name="Office">
@@ -29984,7 +31021,7 @@
         <a:effectStyle>
           <a:effectLst>
             <a:outerShdw blurRad="40000" dist="20000" dir="5400000" rotWithShape="0">
-              <a:srgbClr xmlns:mc="http://schemas.openxmlformats.org/markup-compatibility/2006" xmlns:a14="http://schemas.microsoft.com/office/drawing/2007/7/7/main" val="000000" mc:Ignorable="">
+              <a:srgbClr val="000000">
                 <a:alpha val="38000"/>
               </a:srgbClr>
             </a:outerShdw>
@@ -29993,7 +31030,7 @@
         <a:effectStyle>
           <a:effectLst>
             <a:outerShdw blurRad="40000" dist="23000" dir="5400000" rotWithShape="0">
-              <a:srgbClr xmlns:mc="http://schemas.openxmlformats.org/markup-compatibility/2006" xmlns:a14="http://schemas.microsoft.com/office/drawing/2007/7/7/main" val="000000" mc:Ignorable="">
+              <a:srgbClr val="000000">
                 <a:alpha val="35000"/>
               </a:srgbClr>
             </a:outerShdw>
@@ -30002,7 +31039,7 @@
         <a:effectStyle>
           <a:effectLst>
             <a:outerShdw blurRad="40000" dist="23000" dir="5400000" rotWithShape="0">
-              <a:srgbClr xmlns:mc="http://schemas.openxmlformats.org/markup-compatibility/2006" xmlns:a14="http://schemas.microsoft.com/office/drawing/2007/7/7/main" val="000000" mc:Ignorable="">
+              <a:srgbClr val="000000">
                 <a:alpha val="35000"/>
               </a:srgbClr>
             </a:outerShdw>
